--- a/prezentacjaTSK.pptx
+++ b/prezentacjaTSK.pptx
@@ -5,20 +5,19 @@
     <p:sldMasterId id="2147483648" r:id="rId1"/>
   </p:sldMasterIdLst>
   <p:sldIdLst>
-    <p:sldId id="256" r:id="rId3"/>
-    <p:sldId id="266" r:id="rId4"/>
-    <p:sldId id="265" r:id="rId5"/>
-    <p:sldId id="258" r:id="rId6"/>
-    <p:sldId id="263" r:id="rId7"/>
-    <p:sldId id="264" r:id="rId8"/>
-    <p:sldId id="259" r:id="rId9"/>
-    <p:sldId id="261" r:id="rId10"/>
-    <p:sldId id="262" r:id="rId11"/>
-    <p:sldId id="257" r:id="rId12"/>
-    <p:sldId id="260" r:id="rId13"/>
+    <p:sldId id="256" r:id="rId2"/>
+    <p:sldId id="266" r:id="rId3"/>
+    <p:sldId id="265" r:id="rId4"/>
+    <p:sldId id="263" r:id="rId5"/>
+    <p:sldId id="264" r:id="rId6"/>
+    <p:sldId id="259" r:id="rId7"/>
+    <p:sldId id="261" r:id="rId8"/>
+    <p:sldId id="262" r:id="rId9"/>
+    <p:sldId id="257" r:id="rId10"/>
+    <p:sldId id="260" r:id="rId11"/>
   </p:sldIdLst>
   <p:sldSz cx="12192000" cy="6858000"/>
-  <p:notesSz cx="7103745" cy="10234295"/>
+  <p:notesSz cx="7104063" cy="10234613"/>
   <p:defaultTextStyle>
     <a:defPPr>
       <a:defRPr lang="en-US"/>
@@ -118,7 +117,7 @@
 </file>
 
 <file path=ppt/slideLayouts/slideLayout1.xml><?xml version="1.0" encoding="utf-8"?>
-<p:sldLayout xmlns:a="http://schemas.openxmlformats.org/drawingml/2006/main" xmlns:r="http://schemas.openxmlformats.org/officeDocument/2006/relationships" xmlns:p="http://schemas.openxmlformats.org/presentationml/2006/main" type="title" preserve="1" showMasterSp="0">
+<p:sldLayout xmlns:a="http://schemas.openxmlformats.org/drawingml/2006/main" xmlns:r="http://schemas.openxmlformats.org/officeDocument/2006/relationships" xmlns:p="http://schemas.openxmlformats.org/presentationml/2006/main" showMasterSp="0" type="title" preserve="1">
   <p:cSld name="Title Slide">
     <p:bg>
       <p:bgPr>
@@ -199,7 +198,6 @@
               <a:rPr lang="en-US" altLang="zh-CN" noProof="0" smtClean="0"/>
               <a:t>Click to edit Master title style</a:t>
             </a:r>
-            <a:endParaRPr lang="en-US" altLang="zh-CN" noProof="0" smtClean="0"/>
           </a:p>
         </p:txBody>
       </p:sp>
@@ -234,7 +232,6 @@
               <a:rPr lang="en-US" altLang="zh-CN" noProof="0" smtClean="0"/>
               <a:t>Click to edit Master subtitle style</a:t>
             </a:r>
-            <a:endParaRPr lang="en-US" altLang="zh-CN" noProof="0" smtClean="0"/>
           </a:p>
         </p:txBody>
       </p:sp>
@@ -259,14 +256,14 @@
           <a:noFill/>
           <a:extLst>
             <a:ext uri="{909E8E84-426E-40DD-AFC4-6F175D3DCCD1}">
-              <a14:hiddenFill xmlns:a14="http://schemas.microsoft.com/office/drawing/2010/main">
+              <a14:hiddenFill xmlns:a14="http://schemas.microsoft.com/office/drawing/2010/main" xmlns="">
                 <a:solidFill>
                   <a:schemeClr val="accent1"/>
                 </a:solidFill>
               </a14:hiddenFill>
             </a:ext>
             <a:ext uri="{91240B29-F687-4F45-9708-019B960494DF}">
-              <a14:hiddenLine xmlns:a14="http://schemas.microsoft.com/office/drawing/2010/main" w="9525">
+              <a14:hiddenLine xmlns:a14="http://schemas.microsoft.com/office/drawing/2010/main" xmlns="" w="9525">
                 <a:solidFill>
                   <a:srgbClr val="000000"/>
                 </a:solidFill>
@@ -276,7 +273,7 @@
               </a14:hiddenLine>
             </a:ext>
             <a:ext uri="{AF507438-7753-43E0-B8FC-AC1667EBCBE1}">
-              <a14:hiddenEffects xmlns:a14="http://schemas.microsoft.com/office/drawing/2010/main">
+              <a14:hiddenEffects xmlns:a14="http://schemas.microsoft.com/office/drawing/2010/main" xmlns="">
                 <a:effectLst>
                   <a:outerShdw dist="35921" dir="2700000" algn="ctr" rotWithShape="0">
                     <a:schemeClr val="bg2"/>
@@ -296,6 +293,8 @@
           <a:p>
             <a:fld id="{FDE934FF-F4E1-47C5-9CA5-30A81DDE2BE4}" type="datetimeFigureOut">
               <a:rPr lang="en-US" smtClean="0"/>
+              <a:pPr/>
+              <a:t>12/4/2017</a:t>
             </a:fld>
             <a:endParaRPr lang="en-US"/>
           </a:p>
@@ -322,14 +321,14 @@
           <a:noFill/>
           <a:extLst>
             <a:ext uri="{909E8E84-426E-40DD-AFC4-6F175D3DCCD1}">
-              <a14:hiddenFill xmlns:a14="http://schemas.microsoft.com/office/drawing/2010/main">
+              <a14:hiddenFill xmlns:a14="http://schemas.microsoft.com/office/drawing/2010/main" xmlns="">
                 <a:solidFill>
                   <a:schemeClr val="accent1"/>
                 </a:solidFill>
               </a14:hiddenFill>
             </a:ext>
             <a:ext uri="{91240B29-F687-4F45-9708-019B960494DF}">
-              <a14:hiddenLine xmlns:a14="http://schemas.microsoft.com/office/drawing/2010/main" w="9525">
+              <a14:hiddenLine xmlns:a14="http://schemas.microsoft.com/office/drawing/2010/main" xmlns="" w="9525">
                 <a:solidFill>
                   <a:srgbClr val="000000"/>
                 </a:solidFill>
@@ -339,7 +338,7 @@
               </a14:hiddenLine>
             </a:ext>
             <a:ext uri="{AF507438-7753-43E0-B8FC-AC1667EBCBE1}">
-              <a14:hiddenEffects xmlns:a14="http://schemas.microsoft.com/office/drawing/2010/main">
+              <a14:hiddenEffects xmlns:a14="http://schemas.microsoft.com/office/drawing/2010/main" xmlns="">
                 <a:effectLst>
                   <a:outerShdw dist="35921" dir="2700000" algn="ctr" rotWithShape="0">
                     <a:schemeClr val="bg2"/>
@@ -382,14 +381,14 @@
           <a:noFill/>
           <a:extLst>
             <a:ext uri="{909E8E84-426E-40DD-AFC4-6F175D3DCCD1}">
-              <a14:hiddenFill xmlns:a14="http://schemas.microsoft.com/office/drawing/2010/main">
+              <a14:hiddenFill xmlns:a14="http://schemas.microsoft.com/office/drawing/2010/main" xmlns="">
                 <a:solidFill>
                   <a:schemeClr val="accent1"/>
                 </a:solidFill>
               </a14:hiddenFill>
             </a:ext>
             <a:ext uri="{91240B29-F687-4F45-9708-019B960494DF}">
-              <a14:hiddenLine xmlns:a14="http://schemas.microsoft.com/office/drawing/2010/main" w="9525">
+              <a14:hiddenLine xmlns:a14="http://schemas.microsoft.com/office/drawing/2010/main" xmlns="" w="9525">
                 <a:solidFill>
                   <a:srgbClr val="000000"/>
                 </a:solidFill>
@@ -399,7 +398,7 @@
               </a14:hiddenLine>
             </a:ext>
             <a:ext uri="{AF507438-7753-43E0-B8FC-AC1667EBCBE1}">
-              <a14:hiddenEffects xmlns:a14="http://schemas.microsoft.com/office/drawing/2010/main">
+              <a14:hiddenEffects xmlns:a14="http://schemas.microsoft.com/office/drawing/2010/main" xmlns="">
                 <a:effectLst>
                   <a:outerShdw dist="35921" dir="2700000" algn="ctr" rotWithShape="0">
                     <a:schemeClr val="bg2"/>
@@ -419,6 +418,8 @@
           <a:p>
             <a:fld id="{B3561BA9-CDCF-4958-B8AB-66F3BF063E13}" type="slidenum">
               <a:rPr lang="en-US" smtClean="0"/>
+              <a:pPr/>
+              <a:t>‹#›</a:t>
             </a:fld>
             <a:endParaRPr lang="en-US"/>
           </a:p>
@@ -493,7 +494,6 @@
               <a:rPr lang="en-US" smtClean="0"/>
               <a:t>Click to edit Master text styles</a:t>
             </a:r>
-            <a:endParaRPr lang="en-US" smtClean="0"/>
           </a:p>
           <a:p>
             <a:pPr lvl="1"/>
@@ -501,7 +501,6 @@
               <a:rPr lang="en-US" smtClean="0"/>
               <a:t>Second level</a:t>
             </a:r>
-            <a:endParaRPr lang="en-US" smtClean="0"/>
           </a:p>
           <a:p>
             <a:pPr lvl="2"/>
@@ -509,7 +508,6 @@
               <a:rPr lang="en-US" smtClean="0"/>
               <a:t>Third level</a:t>
             </a:r>
-            <a:endParaRPr lang="en-US" smtClean="0"/>
           </a:p>
           <a:p>
             <a:pPr lvl="3"/>
@@ -517,7 +515,6 @@
               <a:rPr lang="en-US" smtClean="0"/>
               <a:t>Fourth level</a:t>
             </a:r>
-            <a:endParaRPr lang="en-US" smtClean="0"/>
           </a:p>
           <a:p>
             <a:pPr lvl="4"/>
@@ -542,6 +539,7 @@
         <p:spPr/>
         <p:txBody>
           <a:bodyPr/>
+          <a:lstStyle/>
           <a:p>
             <a:pPr marL="0" marR="0" lvl="0" indent="0" algn="l" defTabSz="914400" rtl="0" eaLnBrk="1" fontAlgn="base" latinLnBrk="0" hangingPunct="1">
               <a:lnSpc>
@@ -589,6 +587,7 @@
         <p:spPr/>
         <p:txBody>
           <a:bodyPr/>
+          <a:lstStyle/>
           <a:p>
             <a:pPr marL="0" marR="0" lvl="0" indent="0" algn="ctr" defTabSz="914400" rtl="0" eaLnBrk="1" fontAlgn="base" latinLnBrk="0" hangingPunct="1">
               <a:lnSpc>
@@ -636,6 +635,7 @@
         <p:spPr/>
         <p:txBody>
           <a:bodyPr/>
+          <a:lstStyle/>
           <a:p>
             <a:pPr marL="0" marR="0" lvl="0" indent="0" algn="r" defTabSz="914400" rtl="0" eaLnBrk="1" fontAlgn="base" latinLnBrk="0" hangingPunct="1">
               <a:lnSpc>
@@ -668,6 +668,23 @@
                 <a:ea typeface="SimSun" panose="02010600030101010101" pitchFamily="2" charset="-122"/>
                 <a:cs typeface="+mn-cs"/>
               </a:rPr>
+              <a:pPr marL="0" marR="0" lvl="0" indent="0" algn="r" defTabSz="914400" rtl="0" eaLnBrk="1" fontAlgn="base" latinLnBrk="0" hangingPunct="1">
+                <a:lnSpc>
+                  <a:spcPct val="100000"/>
+                </a:lnSpc>
+                <a:spcBef>
+                  <a:spcPct val="0"/>
+                </a:spcBef>
+                <a:spcAft>
+                  <a:spcPct val="0"/>
+                </a:spcAft>
+                <a:buClrTx/>
+                <a:buSzTx/>
+                <a:buFontTx/>
+                <a:buNone/>
+                <a:defRPr/>
+              </a:pPr>
+              <a:t>‹#›</a:t>
             </a:fld>
             <a:endParaRPr kumimoji="0" lang="en-US" altLang="zh-CN" sz="1400" b="0" i="0" u="none" strike="noStrike" kern="1200" cap="none" spc="0" normalizeH="0" baseline="0" noProof="0" smtClean="0">
               <a:ln>
@@ -765,7 +782,6 @@
               <a:rPr lang="en-US" smtClean="0"/>
               <a:t>Click to edit Master text styles</a:t>
             </a:r>
-            <a:endParaRPr lang="en-US" smtClean="0"/>
           </a:p>
           <a:p>
             <a:pPr lvl="1"/>
@@ -773,7 +789,6 @@
               <a:rPr lang="en-US" smtClean="0"/>
               <a:t>Second level</a:t>
             </a:r>
-            <a:endParaRPr lang="en-US" smtClean="0"/>
           </a:p>
           <a:p>
             <a:pPr lvl="2"/>
@@ -781,7 +796,6 @@
               <a:rPr lang="en-US" smtClean="0"/>
               <a:t>Third level</a:t>
             </a:r>
-            <a:endParaRPr lang="en-US" smtClean="0"/>
           </a:p>
           <a:p>
             <a:pPr lvl="3"/>
@@ -789,7 +803,6 @@
               <a:rPr lang="en-US" smtClean="0"/>
               <a:t>Fourth level</a:t>
             </a:r>
-            <a:endParaRPr lang="en-US" smtClean="0"/>
           </a:p>
           <a:p>
             <a:pPr lvl="4"/>
@@ -814,9 +827,12 @@
         <p:spPr/>
         <p:txBody>
           <a:bodyPr/>
+          <a:lstStyle/>
           <a:p>
             <a:fld id="{FDE934FF-F4E1-47C5-9CA5-30A81DDE2BE4}" type="datetimeFigureOut">
               <a:rPr lang="en-US" smtClean="0"/>
+              <a:pPr/>
+              <a:t>12/4/2017</a:t>
             </a:fld>
             <a:endParaRPr lang="en-US"/>
           </a:p>
@@ -835,6 +851,7 @@
         <p:spPr/>
         <p:txBody>
           <a:bodyPr/>
+          <a:lstStyle/>
           <a:p>
             <a:endParaRPr lang="en-US"/>
           </a:p>
@@ -853,9 +870,12 @@
         <p:spPr/>
         <p:txBody>
           <a:bodyPr/>
+          <a:lstStyle/>
           <a:p>
             <a:fld id="{B3561BA9-CDCF-4958-B8AB-66F3BF063E13}" type="slidenum">
               <a:rPr lang="en-US" smtClean="0"/>
+              <a:pPr/>
+              <a:t>‹#›</a:t>
             </a:fld>
             <a:endParaRPr lang="en-US"/>
           </a:p>
@@ -930,7 +950,6 @@
               <a:rPr lang="en-US" smtClean="0"/>
               <a:t>Click to edit Master text styles</a:t>
             </a:r>
-            <a:endParaRPr lang="en-US" smtClean="0"/>
           </a:p>
           <a:p>
             <a:pPr lvl="1"/>
@@ -938,7 +957,6 @@
               <a:rPr lang="en-US" smtClean="0"/>
               <a:t>Second level</a:t>
             </a:r>
-            <a:endParaRPr lang="en-US" smtClean="0"/>
           </a:p>
           <a:p>
             <a:pPr lvl="2"/>
@@ -946,7 +964,6 @@
               <a:rPr lang="en-US" smtClean="0"/>
               <a:t>Third level</a:t>
             </a:r>
-            <a:endParaRPr lang="en-US" smtClean="0"/>
           </a:p>
           <a:p>
             <a:pPr lvl="3"/>
@@ -954,7 +971,6 @@
               <a:rPr lang="en-US" smtClean="0"/>
               <a:t>Fourth level</a:t>
             </a:r>
-            <a:endParaRPr lang="en-US" smtClean="0"/>
           </a:p>
           <a:p>
             <a:pPr lvl="4"/>
@@ -979,9 +995,12 @@
         <p:spPr/>
         <p:txBody>
           <a:bodyPr/>
+          <a:lstStyle/>
           <a:p>
             <a:fld id="{FDE934FF-F4E1-47C5-9CA5-30A81DDE2BE4}" type="datetimeFigureOut">
               <a:rPr lang="en-US" smtClean="0"/>
+              <a:pPr/>
+              <a:t>12/4/2017</a:t>
             </a:fld>
             <a:endParaRPr lang="en-US"/>
           </a:p>
@@ -1000,6 +1019,7 @@
         <p:spPr/>
         <p:txBody>
           <a:bodyPr/>
+          <a:lstStyle/>
           <a:p>
             <a:endParaRPr lang="en-US"/>
           </a:p>
@@ -1018,9 +1038,12 @@
         <p:spPr/>
         <p:txBody>
           <a:bodyPr/>
+          <a:lstStyle/>
           <a:p>
             <a:fld id="{B3561BA9-CDCF-4958-B8AB-66F3BF063E13}" type="slidenum">
               <a:rPr lang="en-US" smtClean="0"/>
+              <a:pPr/>
+              <a:t>‹#›</a:t>
             </a:fld>
             <a:endParaRPr lang="en-US"/>
           </a:p>
@@ -1146,7 +1169,6 @@
               <a:rPr lang="en-US" smtClean="0"/>
               <a:t>Click to edit Master text styles</a:t>
             </a:r>
-            <a:endParaRPr lang="en-US" smtClean="0"/>
           </a:p>
         </p:txBody>
       </p:sp>
@@ -1163,9 +1185,12 @@
         <p:spPr/>
         <p:txBody>
           <a:bodyPr/>
+          <a:lstStyle/>
           <a:p>
             <a:fld id="{FDE934FF-F4E1-47C5-9CA5-30A81DDE2BE4}" type="datetimeFigureOut">
               <a:rPr lang="en-US" smtClean="0"/>
+              <a:pPr/>
+              <a:t>12/4/2017</a:t>
             </a:fld>
             <a:endParaRPr lang="en-US"/>
           </a:p>
@@ -1184,6 +1209,7 @@
         <p:spPr/>
         <p:txBody>
           <a:bodyPr/>
+          <a:lstStyle/>
           <a:p>
             <a:endParaRPr lang="en-US"/>
           </a:p>
@@ -1202,9 +1228,12 @@
         <p:spPr/>
         <p:txBody>
           <a:bodyPr/>
+          <a:lstStyle/>
           <a:p>
             <a:fld id="{B3561BA9-CDCF-4958-B8AB-66F3BF063E13}" type="slidenum">
               <a:rPr lang="en-US" smtClean="0"/>
+              <a:pPr/>
+              <a:t>‹#›</a:t>
             </a:fld>
             <a:endParaRPr lang="en-US"/>
           </a:p>
@@ -1284,7 +1313,6 @@
               <a:rPr lang="en-US" smtClean="0"/>
               <a:t>Click to edit Master text styles</a:t>
             </a:r>
-            <a:endParaRPr lang="en-US" smtClean="0"/>
           </a:p>
           <a:p>
             <a:pPr lvl="1"/>
@@ -1292,7 +1320,6 @@
               <a:rPr lang="en-US" smtClean="0"/>
               <a:t>Second level</a:t>
             </a:r>
-            <a:endParaRPr lang="en-US" smtClean="0"/>
           </a:p>
           <a:p>
             <a:pPr lvl="2"/>
@@ -1300,7 +1327,6 @@
               <a:rPr lang="en-US" smtClean="0"/>
               <a:t>Third level</a:t>
             </a:r>
-            <a:endParaRPr lang="en-US" smtClean="0"/>
           </a:p>
           <a:p>
             <a:pPr lvl="3"/>
@@ -1308,7 +1334,6 @@
               <a:rPr lang="en-US" smtClean="0"/>
               <a:t>Fourth level</a:t>
             </a:r>
-            <a:endParaRPr lang="en-US" smtClean="0"/>
           </a:p>
           <a:p>
             <a:pPr lvl="4"/>
@@ -1345,7 +1370,6 @@
               <a:rPr lang="en-US" smtClean="0"/>
               <a:t>Click to edit Master text styles</a:t>
             </a:r>
-            <a:endParaRPr lang="en-US" smtClean="0"/>
           </a:p>
           <a:p>
             <a:pPr lvl="1"/>
@@ -1353,7 +1377,6 @@
               <a:rPr lang="en-US" smtClean="0"/>
               <a:t>Second level</a:t>
             </a:r>
-            <a:endParaRPr lang="en-US" smtClean="0"/>
           </a:p>
           <a:p>
             <a:pPr lvl="2"/>
@@ -1361,7 +1384,6 @@
               <a:rPr lang="en-US" smtClean="0"/>
               <a:t>Third level</a:t>
             </a:r>
-            <a:endParaRPr lang="en-US" smtClean="0"/>
           </a:p>
           <a:p>
             <a:pPr lvl="3"/>
@@ -1369,7 +1391,6 @@
               <a:rPr lang="en-US" smtClean="0"/>
               <a:t>Fourth level</a:t>
             </a:r>
-            <a:endParaRPr lang="en-US" smtClean="0"/>
           </a:p>
           <a:p>
             <a:pPr lvl="4"/>
@@ -1394,9 +1415,12 @@
         <p:spPr/>
         <p:txBody>
           <a:bodyPr/>
+          <a:lstStyle/>
           <a:p>
             <a:fld id="{FDE934FF-F4E1-47C5-9CA5-30A81DDE2BE4}" type="datetimeFigureOut">
               <a:rPr lang="en-US" smtClean="0"/>
+              <a:pPr/>
+              <a:t>12/4/2017</a:t>
             </a:fld>
             <a:endParaRPr lang="en-US"/>
           </a:p>
@@ -1415,6 +1439,7 @@
         <p:spPr/>
         <p:txBody>
           <a:bodyPr/>
+          <a:lstStyle/>
           <a:p>
             <a:endParaRPr lang="en-US"/>
           </a:p>
@@ -1433,9 +1458,12 @@
         <p:spPr/>
         <p:txBody>
           <a:bodyPr/>
+          <a:lstStyle/>
           <a:p>
             <a:fld id="{B3561BA9-CDCF-4958-B8AB-66F3BF063E13}" type="slidenum">
               <a:rPr lang="en-US" smtClean="0"/>
+              <a:pPr/>
+              <a:t>‹#›</a:t>
             </a:fld>
             <a:endParaRPr lang="en-US"/>
           </a:p>
@@ -1557,7 +1585,6 @@
               <a:rPr lang="en-US" smtClean="0"/>
               <a:t>Click to edit Master text styles</a:t>
             </a:r>
-            <a:endParaRPr lang="en-US" smtClean="0"/>
           </a:p>
         </p:txBody>
       </p:sp>
@@ -1586,7 +1613,6 @@
               <a:rPr lang="en-US" smtClean="0"/>
               <a:t>Click to edit Master text styles</a:t>
             </a:r>
-            <a:endParaRPr lang="en-US" smtClean="0"/>
           </a:p>
           <a:p>
             <a:pPr lvl="1"/>
@@ -1594,7 +1620,6 @@
               <a:rPr lang="en-US" smtClean="0"/>
               <a:t>Second level</a:t>
             </a:r>
-            <a:endParaRPr lang="en-US" smtClean="0"/>
           </a:p>
           <a:p>
             <a:pPr lvl="2"/>
@@ -1602,7 +1627,6 @@
               <a:rPr lang="en-US" smtClean="0"/>
               <a:t>Third level</a:t>
             </a:r>
-            <a:endParaRPr lang="en-US" smtClean="0"/>
           </a:p>
           <a:p>
             <a:pPr lvl="3"/>
@@ -1610,7 +1634,6 @@
               <a:rPr lang="en-US" smtClean="0"/>
               <a:t>Fourth level</a:t>
             </a:r>
-            <a:endParaRPr lang="en-US" smtClean="0"/>
           </a:p>
           <a:p>
             <a:pPr lvl="4"/>
@@ -1684,7 +1707,6 @@
               <a:rPr lang="en-US" smtClean="0"/>
               <a:t>Click to edit Master text styles</a:t>
             </a:r>
-            <a:endParaRPr lang="en-US" smtClean="0"/>
           </a:p>
         </p:txBody>
       </p:sp>
@@ -1713,7 +1735,6 @@
               <a:rPr lang="en-US" smtClean="0"/>
               <a:t>Click to edit Master text styles</a:t>
             </a:r>
-            <a:endParaRPr lang="en-US" smtClean="0"/>
           </a:p>
           <a:p>
             <a:pPr lvl="1"/>
@@ -1721,7 +1742,6 @@
               <a:rPr lang="en-US" smtClean="0"/>
               <a:t>Second level</a:t>
             </a:r>
-            <a:endParaRPr lang="en-US" smtClean="0"/>
           </a:p>
           <a:p>
             <a:pPr lvl="2"/>
@@ -1729,7 +1749,6 @@
               <a:rPr lang="en-US" smtClean="0"/>
               <a:t>Third level</a:t>
             </a:r>
-            <a:endParaRPr lang="en-US" smtClean="0"/>
           </a:p>
           <a:p>
             <a:pPr lvl="3"/>
@@ -1737,7 +1756,6 @@
               <a:rPr lang="en-US" smtClean="0"/>
               <a:t>Fourth level</a:t>
             </a:r>
-            <a:endParaRPr lang="en-US" smtClean="0"/>
           </a:p>
           <a:p>
             <a:pPr lvl="4"/>
@@ -1762,9 +1780,12 @@
         <p:spPr/>
         <p:txBody>
           <a:bodyPr/>
+          <a:lstStyle/>
           <a:p>
             <a:fld id="{FDE934FF-F4E1-47C5-9CA5-30A81DDE2BE4}" type="datetimeFigureOut">
               <a:rPr lang="en-US" smtClean="0"/>
+              <a:pPr/>
+              <a:t>12/4/2017</a:t>
             </a:fld>
             <a:endParaRPr lang="en-US"/>
           </a:p>
@@ -1783,6 +1804,7 @@
         <p:spPr/>
         <p:txBody>
           <a:bodyPr/>
+          <a:lstStyle/>
           <a:p>
             <a:endParaRPr lang="en-US"/>
           </a:p>
@@ -1801,9 +1823,12 @@
         <p:spPr/>
         <p:txBody>
           <a:bodyPr/>
+          <a:lstStyle/>
           <a:p>
             <a:fld id="{B3561BA9-CDCF-4958-B8AB-66F3BF063E13}" type="slidenum">
               <a:rPr lang="en-US" smtClean="0"/>
+              <a:pPr/>
+              <a:t>‹#›</a:t>
             </a:fld>
             <a:endParaRPr lang="en-US"/>
           </a:p>
@@ -1871,9 +1896,12 @@
         <p:spPr/>
         <p:txBody>
           <a:bodyPr/>
+          <a:lstStyle/>
           <a:p>
             <a:fld id="{FDE934FF-F4E1-47C5-9CA5-30A81DDE2BE4}" type="datetimeFigureOut">
               <a:rPr lang="en-US" smtClean="0"/>
+              <a:pPr/>
+              <a:t>12/4/2017</a:t>
             </a:fld>
             <a:endParaRPr lang="en-US"/>
           </a:p>
@@ -1892,6 +1920,7 @@
         <p:spPr/>
         <p:txBody>
           <a:bodyPr/>
+          <a:lstStyle/>
           <a:p>
             <a:endParaRPr lang="en-US"/>
           </a:p>
@@ -1910,9 +1939,12 @@
         <p:spPr/>
         <p:txBody>
           <a:bodyPr/>
+          <a:lstStyle/>
           <a:p>
             <a:fld id="{B3561BA9-CDCF-4958-B8AB-66F3BF063E13}" type="slidenum">
               <a:rPr lang="en-US" smtClean="0"/>
+              <a:pPr/>
+              <a:t>‹#›</a:t>
             </a:fld>
             <a:endParaRPr lang="en-US"/>
           </a:p>
@@ -1957,9 +1989,12 @@
         <p:spPr/>
         <p:txBody>
           <a:bodyPr/>
+          <a:lstStyle/>
           <a:p>
             <a:fld id="{FDE934FF-F4E1-47C5-9CA5-30A81DDE2BE4}" type="datetimeFigureOut">
               <a:rPr lang="en-US" smtClean="0"/>
+              <a:pPr/>
+              <a:t>12/4/2017</a:t>
             </a:fld>
             <a:endParaRPr lang="en-US"/>
           </a:p>
@@ -1978,6 +2013,7 @@
         <p:spPr/>
         <p:txBody>
           <a:bodyPr/>
+          <a:lstStyle/>
           <a:p>
             <a:endParaRPr lang="en-US"/>
           </a:p>
@@ -1996,9 +2032,12 @@
         <p:spPr/>
         <p:txBody>
           <a:bodyPr/>
+          <a:lstStyle/>
           <a:p>
             <a:fld id="{B3561BA9-CDCF-4958-B8AB-66F3BF063E13}" type="slidenum">
               <a:rPr lang="en-US" smtClean="0"/>
+              <a:pPr/>
+              <a:t>‹#›</a:t>
             </a:fld>
             <a:endParaRPr lang="en-US"/>
           </a:p>
@@ -2115,7 +2154,6 @@
               <a:rPr lang="en-US" smtClean="0"/>
               <a:t>Click to edit Master text styles</a:t>
             </a:r>
-            <a:endParaRPr lang="en-US" smtClean="0"/>
           </a:p>
           <a:p>
             <a:pPr lvl="1"/>
@@ -2123,7 +2161,6 @@
               <a:rPr lang="en-US" smtClean="0"/>
               <a:t>Second level</a:t>
             </a:r>
-            <a:endParaRPr lang="en-US" smtClean="0"/>
           </a:p>
           <a:p>
             <a:pPr lvl="2"/>
@@ -2131,7 +2168,6 @@
               <a:rPr lang="en-US" smtClean="0"/>
               <a:t>Third level</a:t>
             </a:r>
-            <a:endParaRPr lang="en-US" smtClean="0"/>
           </a:p>
           <a:p>
             <a:pPr lvl="3"/>
@@ -2139,7 +2175,6 @@
               <a:rPr lang="en-US" smtClean="0"/>
               <a:t>Fourth level</a:t>
             </a:r>
-            <a:endParaRPr lang="en-US" smtClean="0"/>
           </a:p>
           <a:p>
             <a:pPr lvl="4"/>
@@ -2213,7 +2248,6 @@
               <a:rPr lang="en-US" smtClean="0"/>
               <a:t>Click to edit Master text styles</a:t>
             </a:r>
-            <a:endParaRPr lang="en-US" smtClean="0"/>
           </a:p>
         </p:txBody>
       </p:sp>
@@ -2230,6 +2264,7 @@
         <p:spPr/>
         <p:txBody>
           <a:bodyPr/>
+          <a:lstStyle/>
           <a:p>
             <a:pPr marL="0" marR="0" lvl="0" indent="0" algn="l" defTabSz="914400" rtl="0" eaLnBrk="1" fontAlgn="base" latinLnBrk="0" hangingPunct="1">
               <a:lnSpc>
@@ -2277,6 +2312,7 @@
         <p:spPr/>
         <p:txBody>
           <a:bodyPr/>
+          <a:lstStyle/>
           <a:p>
             <a:pPr marL="0" marR="0" lvl="0" indent="0" algn="ctr" defTabSz="914400" rtl="0" eaLnBrk="1" fontAlgn="base" latinLnBrk="0" hangingPunct="1">
               <a:lnSpc>
@@ -2324,6 +2360,7 @@
         <p:spPr/>
         <p:txBody>
           <a:bodyPr/>
+          <a:lstStyle/>
           <a:p>
             <a:pPr marL="0" marR="0" lvl="0" indent="0" algn="r" defTabSz="914400" rtl="0" eaLnBrk="1" fontAlgn="base" latinLnBrk="0" hangingPunct="1">
               <a:lnSpc>
@@ -2356,6 +2393,23 @@
                 <a:ea typeface="SimSun" panose="02010600030101010101" pitchFamily="2" charset="-122"/>
                 <a:cs typeface="+mn-cs"/>
               </a:rPr>
+              <a:pPr marL="0" marR="0" lvl="0" indent="0" algn="r" defTabSz="914400" rtl="0" eaLnBrk="1" fontAlgn="base" latinLnBrk="0" hangingPunct="1">
+                <a:lnSpc>
+                  <a:spcPct val="100000"/>
+                </a:lnSpc>
+                <a:spcBef>
+                  <a:spcPct val="0"/>
+                </a:spcBef>
+                <a:spcAft>
+                  <a:spcPct val="0"/>
+                </a:spcAft>
+                <a:buClrTx/>
+                <a:buSzTx/>
+                <a:buFontTx/>
+                <a:buNone/>
+                <a:defRPr/>
+              </a:pPr>
+              <a:t>‹#›</a:t>
             </a:fld>
             <a:endParaRPr kumimoji="0" lang="en-US" altLang="zh-CN" sz="1400" b="0" i="0" u="none" strike="noStrike" kern="1200" cap="none" spc="0" normalizeH="0" baseline="0" noProof="0" smtClean="0">
               <a:ln>
@@ -2584,7 +2638,6 @@
               <a:rPr lang="en-US" smtClean="0"/>
               <a:t>Click to edit Master text styles</a:t>
             </a:r>
-            <a:endParaRPr lang="en-US" smtClean="0"/>
           </a:p>
         </p:txBody>
       </p:sp>
@@ -2601,9 +2654,12 @@
         <p:spPr/>
         <p:txBody>
           <a:bodyPr/>
+          <a:lstStyle/>
           <a:p>
             <a:fld id="{FDE934FF-F4E1-47C5-9CA5-30A81DDE2BE4}" type="datetimeFigureOut">
               <a:rPr lang="en-US" smtClean="0"/>
+              <a:pPr/>
+              <a:t>12/4/2017</a:t>
             </a:fld>
             <a:endParaRPr lang="en-US"/>
           </a:p>
@@ -2622,6 +2678,7 @@
         <p:spPr/>
         <p:txBody>
           <a:bodyPr/>
+          <a:lstStyle/>
           <a:p>
             <a:endParaRPr lang="en-US"/>
           </a:p>
@@ -2640,9 +2697,12 @@
         <p:spPr/>
         <p:txBody>
           <a:bodyPr/>
+          <a:lstStyle/>
           <a:p>
             <a:fld id="{B3561BA9-CDCF-4958-B8AB-66F3BF063E13}" type="slidenum">
               <a:rPr lang="en-US" smtClean="0"/>
+              <a:pPr/>
+              <a:t>‹#›</a:t>
             </a:fld>
             <a:endParaRPr lang="en-US"/>
           </a:p>
@@ -2674,7 +2734,14 @@
         <p:cNvGrpSpPr/>
         <p:nvPr/>
       </p:nvGrpSpPr>
-      <p:grpSpPr/>
+      <p:grpSpPr>
+        <a:xfrm>
+          <a:off x="0" y="0"/>
+          <a:ext cx="0" cy="0"/>
+          <a:chOff x="0" y="0"/>
+          <a:chExt cx="0" cy="0"/>
+        </a:xfrm>
+      </p:grpSpPr>
       <p:pic>
         <p:nvPicPr>
           <p:cNvPr id="1026" name="Picture 3"/>
@@ -2684,7 +2751,7 @@
           <p:nvPr/>
         </p:nvPicPr>
         <p:blipFill>
-          <a:blip r:embed="rId12"/>
+          <a:blip r:embed="rId13"/>
           <a:stretch>
             <a:fillRect/>
           </a:stretch>
@@ -2728,13 +2795,13 @@
         </p:spPr>
         <p:txBody>
           <a:bodyPr anchor="ctr"/>
+          <a:lstStyle/>
           <a:p>
             <a:pPr lvl="0"/>
             <a:r>
               <a:rPr lang="en-US" altLang="zh-CN" dirty="0"/>
               <a:t>Click to edit Master title style</a:t>
             </a:r>
-            <a:endParaRPr lang="en-US" altLang="zh-CN" dirty="0"/>
           </a:p>
         </p:txBody>
       </p:sp>
@@ -2763,13 +2830,13 @@
         </p:spPr>
         <p:txBody>
           <a:bodyPr/>
+          <a:lstStyle/>
           <a:p>
             <a:pPr lvl="0"/>
             <a:r>
               <a:rPr lang="en-US" altLang="zh-CN" dirty="0"/>
               <a:t>Click to edit Master text styles</a:t>
             </a:r>
-            <a:endParaRPr lang="en-US" altLang="zh-CN" dirty="0"/>
           </a:p>
           <a:p>
             <a:pPr lvl="1"/>
@@ -2777,7 +2844,6 @@
               <a:rPr lang="en-US" altLang="zh-CN" dirty="0"/>
               <a:t>Second level</a:t>
             </a:r>
-            <a:endParaRPr lang="en-US" altLang="zh-CN" dirty="0"/>
           </a:p>
           <a:p>
             <a:pPr lvl="2"/>
@@ -2785,7 +2851,6 @@
               <a:rPr lang="en-US" altLang="zh-CN" dirty="0"/>
               <a:t>Third level</a:t>
             </a:r>
-            <a:endParaRPr lang="en-US" altLang="zh-CN" dirty="0"/>
           </a:p>
           <a:p>
             <a:pPr lvl="3"/>
@@ -2793,7 +2858,6 @@
               <a:rPr lang="en-US" altLang="zh-CN" dirty="0"/>
               <a:t>Fourth level</a:t>
             </a:r>
-            <a:endParaRPr lang="en-US" altLang="zh-CN" dirty="0"/>
           </a:p>
           <a:p>
             <a:pPr lvl="4"/>
@@ -2801,7 +2865,6 @@
               <a:rPr lang="en-US" altLang="zh-CN" dirty="0"/>
               <a:t>Fifth level</a:t>
             </a:r>
-            <a:endParaRPr lang="en-US" altLang="zh-CN" dirty="0"/>
           </a:p>
         </p:txBody>
       </p:sp>
@@ -2830,14 +2893,14 @@
           <a:effectLst/>
           <a:extLst>
             <a:ext uri="{909E8E84-426E-40DD-AFC4-6F175D3DCCD1}">
-              <a14:hiddenFill xmlns:a14="http://schemas.microsoft.com/office/drawing/2010/main">
+              <a14:hiddenFill xmlns:a14="http://schemas.microsoft.com/office/drawing/2010/main" xmlns="">
                 <a:solidFill>
                   <a:schemeClr val="accent1"/>
                 </a:solidFill>
               </a14:hiddenFill>
             </a:ext>
             <a:ext uri="{91240B29-F687-4F45-9708-019B960494DF}">
-              <a14:hiddenLine xmlns:a14="http://schemas.microsoft.com/office/drawing/2010/main" w="9525">
+              <a14:hiddenLine xmlns:a14="http://schemas.microsoft.com/office/drawing/2010/main" xmlns="" w="9525">
                 <a:solidFill>
                   <a:srgbClr val="000000"/>
                 </a:solidFill>
@@ -2847,7 +2910,7 @@
               </a14:hiddenLine>
             </a:ext>
             <a:ext uri="{AF507438-7753-43E0-B8FC-AC1667EBCBE1}">
-              <a14:hiddenEffects xmlns:a14="http://schemas.microsoft.com/office/drawing/2010/main">
+              <a14:hiddenEffects xmlns:a14="http://schemas.microsoft.com/office/drawing/2010/main" xmlns="">
                 <a:effectLst>
                   <a:outerShdw dist="35921" dir="2700000" algn="ctr" rotWithShape="0">
                     <a:schemeClr val="bg2"/>
@@ -2867,6 +2930,8 @@
           <a:p>
             <a:fld id="{FDE934FF-F4E1-47C5-9CA5-30A81DDE2BE4}" type="datetimeFigureOut">
               <a:rPr lang="en-US" smtClean="0"/>
+              <a:pPr/>
+              <a:t>12/4/2017</a:t>
             </a:fld>
             <a:endParaRPr lang="en-US"/>
           </a:p>
@@ -2897,14 +2962,14 @@
           <a:effectLst/>
           <a:extLst>
             <a:ext uri="{909E8E84-426E-40DD-AFC4-6F175D3DCCD1}">
-              <a14:hiddenFill xmlns:a14="http://schemas.microsoft.com/office/drawing/2010/main">
+              <a14:hiddenFill xmlns:a14="http://schemas.microsoft.com/office/drawing/2010/main" xmlns="">
                 <a:solidFill>
                   <a:schemeClr val="accent1"/>
                 </a:solidFill>
               </a14:hiddenFill>
             </a:ext>
             <a:ext uri="{91240B29-F687-4F45-9708-019B960494DF}">
-              <a14:hiddenLine xmlns:a14="http://schemas.microsoft.com/office/drawing/2010/main" w="9525">
+              <a14:hiddenLine xmlns:a14="http://schemas.microsoft.com/office/drawing/2010/main" xmlns="" w="9525">
                 <a:solidFill>
                   <a:srgbClr val="000000"/>
                 </a:solidFill>
@@ -2914,7 +2979,7 @@
               </a14:hiddenLine>
             </a:ext>
             <a:ext uri="{AF507438-7753-43E0-B8FC-AC1667EBCBE1}">
-              <a14:hiddenEffects xmlns:a14="http://schemas.microsoft.com/office/drawing/2010/main">
+              <a14:hiddenEffects xmlns:a14="http://schemas.microsoft.com/office/drawing/2010/main" xmlns="">
                 <a:effectLst>
                   <a:outerShdw dist="35921" dir="2700000" algn="ctr" rotWithShape="0">
                     <a:schemeClr val="bg2"/>
@@ -2961,14 +3026,14 @@
           <a:effectLst/>
           <a:extLst>
             <a:ext uri="{909E8E84-426E-40DD-AFC4-6F175D3DCCD1}">
-              <a14:hiddenFill xmlns:a14="http://schemas.microsoft.com/office/drawing/2010/main">
+              <a14:hiddenFill xmlns:a14="http://schemas.microsoft.com/office/drawing/2010/main" xmlns="">
                 <a:solidFill>
                   <a:schemeClr val="accent1"/>
                 </a:solidFill>
               </a14:hiddenFill>
             </a:ext>
             <a:ext uri="{91240B29-F687-4F45-9708-019B960494DF}">
-              <a14:hiddenLine xmlns:a14="http://schemas.microsoft.com/office/drawing/2010/main" w="9525">
+              <a14:hiddenLine xmlns:a14="http://schemas.microsoft.com/office/drawing/2010/main" xmlns="" w="9525">
                 <a:solidFill>
                   <a:srgbClr val="000000"/>
                 </a:solidFill>
@@ -2978,7 +3043,7 @@
               </a14:hiddenLine>
             </a:ext>
             <a:ext uri="{AF507438-7753-43E0-B8FC-AC1667EBCBE1}">
-              <a14:hiddenEffects xmlns:a14="http://schemas.microsoft.com/office/drawing/2010/main">
+              <a14:hiddenEffects xmlns:a14="http://schemas.microsoft.com/office/drawing/2010/main" xmlns="">
                 <a:effectLst>
                   <a:outerShdw dist="35921" dir="2700000" algn="ctr" rotWithShape="0">
                     <a:schemeClr val="bg2"/>
@@ -2998,6 +3063,8 @@
           <a:p>
             <a:fld id="{B3561BA9-CDCF-4958-B8AB-66F3BF063E13}" type="slidenum">
               <a:rPr lang="en-US" smtClean="0"/>
+              <a:pPr/>
+              <a:t>‹#›</a:t>
             </a:fld>
             <a:endParaRPr lang="en-US"/>
           </a:p>
@@ -3426,7 +3493,14 @@
         <p:cNvGrpSpPr/>
         <p:nvPr/>
       </p:nvGrpSpPr>
-      <p:grpSpPr/>
+      <p:grpSpPr>
+        <a:xfrm>
+          <a:off x="0" y="0"/>
+          <a:ext cx="0" cy="0"/>
+          <a:chOff x="0" y="0"/>
+          <a:chExt cx="0" cy="0"/>
+        </a:xfrm>
+      </p:grpSpPr>
       <p:sp>
         <p:nvSpPr>
           <p:cNvPr id="2" name="Title 1"/>
@@ -3440,12 +3514,12 @@
         <p:spPr/>
         <p:txBody>
           <a:bodyPr/>
+          <a:lstStyle/>
           <a:p>
             <a:r>
               <a:rPr lang="pl-PL" altLang="en-US"/>
               <a:t>Symulacja rakiety</a:t>
             </a:r>
-            <a:endParaRPr lang="pl-PL" altLang="en-US"/>
           </a:p>
         </p:txBody>
       </p:sp>
@@ -3462,19 +3536,18 @@
         <p:spPr/>
         <p:txBody>
           <a:bodyPr/>
+          <a:lstStyle/>
           <a:p>
             <a:r>
               <a:rPr lang="pl-PL" altLang="en-US"/>
               <a:t>Aleksandra Lemiesz 200267</a:t>
             </a:r>
-            <a:endParaRPr lang="pl-PL" altLang="en-US"/>
           </a:p>
           <a:p>
             <a:r>
               <a:rPr lang="pl-PL" altLang="en-US"/>
               <a:t>Krzysztof Dziemowski 195578</a:t>
             </a:r>
-            <a:endParaRPr lang="pl-PL" altLang="en-US"/>
           </a:p>
         </p:txBody>
       </p:sp>
@@ -3495,7 +3568,14 @@
         <p:cNvGrpSpPr/>
         <p:nvPr/>
       </p:nvGrpSpPr>
-      <p:grpSpPr/>
+      <p:grpSpPr>
+        <a:xfrm>
+          <a:off x="0" y="0"/>
+          <a:ext cx="0" cy="0"/>
+          <a:chOff x="0" y="0"/>
+          <a:chExt cx="0" cy="0"/>
+        </a:xfrm>
+      </p:grpSpPr>
       <p:sp>
         <p:nvSpPr>
           <p:cNvPr id="2" name="Title 1"/>
@@ -3509,85 +3589,12 @@
         <p:spPr/>
         <p:txBody>
           <a:bodyPr/>
-          <a:p>
-            <a:r>
-              <a:rPr lang="en-US"/>
-              <a:t>Wnioski</a:t>
-            </a:r>
-            <a:endParaRPr lang="en-US"/>
-          </a:p>
-        </p:txBody>
-      </p:sp>
-      <p:sp>
-        <p:nvSpPr>
-          <p:cNvPr id="3" name="Content Placeholder 2"/>
-          <p:cNvSpPr>
-            <a:spLocks noGrp="1"/>
-          </p:cNvSpPr>
-          <p:nvPr>
-            <p:ph idx="1"/>
-          </p:nvPr>
-        </p:nvSpPr>
-        <p:spPr/>
-        <p:txBody>
-          <a:bodyPr/>
-          <a:p>
-            <a:r>
-              <a:rPr lang="en-US"/>
-              <a:t>Zastosowane uproszczenia powodują pewne odstępstwa od oczekiwanych wyników jednak ostateczny wynik jest zbliżony do oczekiwanego</a:t>
-            </a:r>
-            <a:endParaRPr lang="en-US"/>
-          </a:p>
-          <a:p>
-            <a:r>
-              <a:rPr lang="pl-PL" altLang="en-US"/>
-              <a:t>Brak możliwości </a:t>
-            </a:r>
-            <a:r>
-              <a:rPr lang="en-US"/>
-              <a:t>znalezienia odpowiednich wartości wszystkich parametrów, mimo posiadania odpowiednich wzorów do obliczenia wartości wyjściowych, nie pozwoliła na pełne przetestowanie poprawności działania symulacji.</a:t>
-            </a:r>
-            <a:endParaRPr lang="en-US"/>
-          </a:p>
-        </p:txBody>
-      </p:sp>
-    </p:spTree>
-  </p:cSld>
-  <p:clrMapOvr>
-    <a:masterClrMapping/>
-  </p:clrMapOvr>
-</p:sld>
-</file>
-
-<file path=ppt/slides/slide11.xml><?xml version="1.0" encoding="utf-8"?>
-<p:sld xmlns:a="http://schemas.openxmlformats.org/drawingml/2006/main" xmlns:r="http://schemas.openxmlformats.org/officeDocument/2006/relationships" xmlns:p="http://schemas.openxmlformats.org/presentationml/2006/main">
-  <p:cSld>
-    <p:spTree>
-      <p:nvGrpSpPr>
-        <p:cNvPr id="1" name=""/>
-        <p:cNvGrpSpPr/>
-        <p:nvPr/>
-      </p:nvGrpSpPr>
-      <p:grpSpPr/>
-      <p:sp>
-        <p:nvSpPr>
-          <p:cNvPr id="2" name="Title 1"/>
-          <p:cNvSpPr>
-            <a:spLocks noGrp="1"/>
-          </p:cNvSpPr>
-          <p:nvPr>
-            <p:ph type="title"/>
-          </p:nvPr>
-        </p:nvSpPr>
-        <p:spPr/>
-        <p:txBody>
-          <a:bodyPr/>
+          <a:lstStyle/>
           <a:p>
             <a:r>
               <a:rPr lang="pl-PL" altLang="en-US"/>
               <a:t>Bibliografia</a:t>
             </a:r>
-            <a:endParaRPr lang="pl-PL" altLang="en-US"/>
           </a:p>
         </p:txBody>
       </p:sp>
@@ -3609,40 +3616,68 @@
         </p:spPr>
         <p:txBody>
           <a:bodyPr/>
-          <a:p>
-            <a:r>
-              <a:rPr lang="en-US" sz="2600"/>
+          <a:lstStyle/>
+          <a:p>
+            <a:r>
+              <a:rPr lang="en-US" sz="2600" dirty="0"/>
               <a:t>   http://www.ucl.ac.uk/~ucahad0/1302week7vary_mass.pdf</a:t>
             </a:r>
-            <a:endParaRPr lang="en-US" sz="2600"/>
-          </a:p>
-          <a:p>
-            <a:r>
-              <a:rPr lang="en-US" sz="2600"/>
+          </a:p>
+          <a:p>
+            <a:r>
+              <a:rPr lang="en-US" sz="2600" dirty="0"/>
               <a:t>   http://vle.du.ac.in/mod/book/view.php?id=9983&amp;chapterid=16391</a:t>
             </a:r>
-            <a:endParaRPr lang="en-US" sz="2600"/>
-          </a:p>
-          <a:p>
-            <a:r>
-              <a:rPr lang="en-US" sz="2600"/>
-              <a:t>   https://www.math24.net/rocket-motion-page-2/</a:t>
-            </a:r>
-            <a:endParaRPr lang="en-US" sz="2600"/>
-          </a:p>
-          <a:p>
-            <a:r>
-              <a:rPr lang="en-US" sz="2600"/>
+          </a:p>
+          <a:p>
+            <a:r>
+              <a:rPr lang="en-US" sz="2600" dirty="0"/>
+              <a:t>   https://www.math24.net/rocket-motion-page-2</a:t>
+            </a:r>
+            <a:r>
+              <a:rPr lang="en-US" sz="2600" dirty="0" smtClean="0"/>
+              <a:t>/</a:t>
+            </a:r>
+            <a:endParaRPr lang="en-US" sz="2600" dirty="0"/>
+          </a:p>
+          <a:p>
+            <a:r>
+              <a:rPr lang="en-US" sz="2600" dirty="0"/>
               <a:t>   http://www.real-world-physics-problems.com/rocket-physics.html</a:t>
             </a:r>
-            <a:endParaRPr lang="en-US" sz="2600"/>
-          </a:p>
-          <a:p>
-            <a:r>
-              <a:rPr lang="en-US" sz="2600"/>
-              <a:t>   https://link.springer.com/chapter/10.1007/978-1-4614-3740-6_8</a:t>
-            </a:r>
-            <a:endParaRPr lang="en-US" sz="2600"/>
+          </a:p>
+          <a:p>
+            <a:r>
+              <a:rPr lang="en-US" sz="2600" dirty="0"/>
+              <a:t>   https://</a:t>
+            </a:r>
+            <a:r>
+              <a:rPr lang="en-US" sz="2600" dirty="0" smtClean="0"/>
+              <a:t>link.springer.com/chapter/10.1007/978-1-4614-3740-6_8</a:t>
+            </a:r>
+            <a:endParaRPr lang="pl-PL" sz="2600" dirty="0" smtClean="0"/>
+          </a:p>
+          <a:p>
+            <a:r>
+              <a:rPr lang="pl-PL" sz="2600" dirty="0" smtClean="0"/>
+              <a:t>   </a:t>
+            </a:r>
+            <a:r>
+              <a:rPr lang="en-US" sz="2600" dirty="0" smtClean="0"/>
+              <a:t>https</a:t>
+            </a:r>
+            <a:r>
+              <a:rPr lang="en-US" sz="2600" dirty="0" smtClean="0"/>
+              <a:t>://</a:t>
+            </a:r>
+            <a:r>
+              <a:rPr lang="en-US" sz="2600" dirty="0" smtClean="0"/>
+              <a:t>www.nasa.gov/pdf/466711main_AP_ST_ShuttleAscent.pdf</a:t>
+            </a:r>
+            <a:endParaRPr lang="pl-PL" sz="2600" dirty="0" smtClean="0"/>
+          </a:p>
+          <a:p>
+            <a:endParaRPr lang="en-US" sz="2600" dirty="0"/>
           </a:p>
         </p:txBody>
       </p:sp>
@@ -3663,7 +3698,14 @@
         <p:cNvGrpSpPr/>
         <p:nvPr/>
       </p:nvGrpSpPr>
-      <p:grpSpPr/>
+      <p:grpSpPr>
+        <a:xfrm>
+          <a:off x="0" y="0"/>
+          <a:ext cx="0" cy="0"/>
+          <a:chOff x="0" y="0"/>
+          <a:chExt cx="0" cy="0"/>
+        </a:xfrm>
+      </p:grpSpPr>
       <p:sp>
         <p:nvSpPr>
           <p:cNvPr id="2" name="Title 1"/>
@@ -3677,6 +3719,7 @@
         <p:spPr/>
         <p:txBody>
           <a:bodyPr/>
+          <a:lstStyle/>
           <a:p>
             <a:r>
               <a:rPr lang="en-US">
@@ -3701,6 +3744,7 @@
         <p:spPr/>
         <p:txBody>
           <a:bodyPr/>
+          <a:lstStyle/>
           <a:p>
             <a:r>
               <a:rPr lang="en-US"/>
@@ -3722,14 +3766,12 @@
               <a:rPr lang="en-US"/>
               <a:t>stosowany w eksploracji kosmosu, a także w celach komercyjnych, takich jak turystyka kosmiczna czy komunikacja satelitarna.</a:t>
             </a:r>
-            <a:endParaRPr lang="en-US"/>
           </a:p>
           <a:p>
             <a:r>
               <a:rPr lang="en-US"/>
               <a:t>Lot typowo zaczyna się odpaleniem rakiety nośnej, która dostarcza wstępnego ciągu do pokonania siły ciężkości i odrywa pojazd od powierzchni Ziemi. </a:t>
             </a:r>
-            <a:endParaRPr lang="en-US"/>
           </a:p>
         </p:txBody>
       </p:sp>
@@ -3750,7 +3792,14 @@
         <p:cNvGrpSpPr/>
         <p:nvPr/>
       </p:nvGrpSpPr>
-      <p:grpSpPr/>
+      <p:grpSpPr>
+        <a:xfrm>
+          <a:off x="0" y="0"/>
+          <a:ext cx="0" cy="0"/>
+          <a:chOff x="0" y="0"/>
+          <a:chExt cx="0" cy="0"/>
+        </a:xfrm>
+      </p:grpSpPr>
       <p:sp>
         <p:nvSpPr>
           <p:cNvPr id="2" name="Title 1"/>
@@ -3764,8 +3813,21 @@
         <p:spPr/>
         <p:txBody>
           <a:bodyPr/>
-          <a:p>
-            <a:endParaRPr lang="en-US"/>
+          <a:lstStyle/>
+          <a:p>
+            <a:r>
+              <a:rPr lang="pl-PL" dirty="0" err="1" smtClean="0"/>
+              <a:t>Space</a:t>
+            </a:r>
+            <a:r>
+              <a:rPr lang="pl-PL" dirty="0" smtClean="0"/>
+              <a:t> </a:t>
+            </a:r>
+            <a:r>
+              <a:rPr lang="pl-PL" dirty="0" err="1" smtClean="0"/>
+              <a:t>Shuttle</a:t>
+            </a:r>
+            <a:endParaRPr lang="en-US" dirty="0"/>
           </a:p>
         </p:txBody>
       </p:sp>
@@ -3782,8 +3844,86 @@
         <p:spPr/>
         <p:txBody>
           <a:bodyPr/>
-          <a:p>
-            <a:endParaRPr lang="en-US"/>
+          <a:lstStyle/>
+          <a:p>
+            <a:r>
+              <a:rPr lang="pl-PL" dirty="0" smtClean="0"/>
+              <a:t>Wahadłowiec kosmiczny (ang. </a:t>
+            </a:r>
+            <a:r>
+              <a:rPr lang="pl-PL" dirty="0" err="1" smtClean="0"/>
+              <a:t>Space</a:t>
+            </a:r>
+            <a:r>
+              <a:rPr lang="pl-PL" dirty="0" smtClean="0"/>
+              <a:t> </a:t>
+            </a:r>
+            <a:r>
+              <a:rPr lang="pl-PL" dirty="0" err="1" smtClean="0"/>
+              <a:t>shuttle</a:t>
+            </a:r>
+            <a:r>
+              <a:rPr lang="pl-PL" dirty="0" smtClean="0"/>
+              <a:t>) - </a:t>
+            </a:r>
+            <a:r>
+              <a:rPr lang="pl-PL" dirty="0" smtClean="0"/>
+              <a:t>załogowy lub bezzałogowy statek kosmiczny, który może być wykorzystywany wielokrotnie i zwykle przystosowany jest do wynoszenia na orbitę i sprowadzania z orbity sztucznych satelitów i innych ładunków</a:t>
+            </a:r>
+            <a:r>
+              <a:rPr lang="pl-PL" dirty="0" smtClean="0"/>
+              <a:t>.</a:t>
+            </a:r>
+          </a:p>
+          <a:p>
+            <a:r>
+              <a:rPr lang="pl-PL" dirty="0" smtClean="0"/>
+              <a:t>STS – </a:t>
+            </a:r>
+            <a:r>
+              <a:rPr lang="pl-PL" dirty="0" err="1" smtClean="0"/>
+              <a:t>Space</a:t>
+            </a:r>
+            <a:r>
+              <a:rPr lang="pl-PL" dirty="0" smtClean="0"/>
+              <a:t> </a:t>
+            </a:r>
+            <a:r>
+              <a:rPr lang="pl-PL" dirty="0" err="1" smtClean="0"/>
+              <a:t>Transportation</a:t>
+            </a:r>
+            <a:r>
+              <a:rPr lang="pl-PL" dirty="0" smtClean="0"/>
+              <a:t> </a:t>
+            </a:r>
+            <a:r>
+              <a:rPr lang="pl-PL" smtClean="0"/>
+              <a:t>System  (1981 – 2011)</a:t>
+            </a:r>
+            <a:endParaRPr lang="pl-PL" dirty="0" smtClean="0"/>
+          </a:p>
+          <a:p>
+            <a:r>
+              <a:rPr lang="pl-PL" dirty="0" smtClean="0"/>
+              <a:t>SLS – </a:t>
+            </a:r>
+            <a:r>
+              <a:rPr lang="pl-PL" dirty="0" err="1" smtClean="0"/>
+              <a:t>Space</a:t>
+            </a:r>
+            <a:r>
+              <a:rPr lang="pl-PL" dirty="0" smtClean="0"/>
+              <a:t> </a:t>
+            </a:r>
+            <a:r>
+              <a:rPr lang="pl-PL" dirty="0" err="1" smtClean="0"/>
+              <a:t>Launch</a:t>
+            </a:r>
+            <a:r>
+              <a:rPr lang="pl-PL" dirty="0" smtClean="0"/>
+              <a:t> System ( 2011+)</a:t>
+            </a:r>
+            <a:endParaRPr lang="en-US" dirty="0"/>
           </a:p>
         </p:txBody>
       </p:sp>
@@ -3804,7 +3944,14 @@
         <p:cNvGrpSpPr/>
         <p:nvPr/>
       </p:nvGrpSpPr>
-      <p:grpSpPr/>
+      <p:grpSpPr>
+        <a:xfrm>
+          <a:off x="0" y="0"/>
+          <a:ext cx="0" cy="0"/>
+          <a:chOff x="0" y="0"/>
+          <a:chExt cx="0" cy="0"/>
+        </a:xfrm>
+      </p:grpSpPr>
       <p:sp>
         <p:nvSpPr>
           <p:cNvPr id="2" name="Title 1"/>
@@ -3818,12 +3965,12 @@
         <p:spPr/>
         <p:txBody>
           <a:bodyPr/>
+          <a:lstStyle/>
           <a:p>
             <a:r>
               <a:rPr lang="pl-PL" altLang="en-US"/>
-              <a:t>Parametry do symulacji</a:t>
-            </a:r>
-            <a:endParaRPr lang="pl-PL" altLang="en-US"/>
+              <a:t>Parametry silnika</a:t>
+            </a:r>
           </a:p>
         </p:txBody>
       </p:sp>
@@ -3840,136 +3987,25 @@
         <p:spPr/>
         <p:txBody>
           <a:bodyPr/>
+          <a:lstStyle/>
+          <a:p>
+            <a:r>
+              <a:rPr lang="en-US" sz="2500"/>
+              <a:t>Współczynnik ciągu do ciężaru </a:t>
+            </a:r>
+            <a:r>
+              <a:rPr lang="pl-PL" altLang="en-US" sz="2500"/>
+              <a:t>-</a:t>
+            </a:r>
+            <a:r>
+              <a:rPr lang="en-US" sz="2500"/>
+              <a:t> bezwymiarowa jednostka charakteryzująca silniki rakietowe i odrzutowe oraz pojazdy w których zostały wykorzystane będąca ilorazem ciągu przez ciężar. Jego wartość jest stosowana do porównywania silników i konstrukcji pojazdów.</a:t>
+            </a:r>
+          </a:p>
           <a:p>
             <a:pPr marL="0" indent="0">
               <a:buNone/>
             </a:pPr>
-            <a:endParaRPr lang="en-US"/>
-          </a:p>
-          <a:p>
-            <a:r>
-              <a:rPr lang="en-US"/>
-              <a:t>czas</a:t>
-            </a:r>
-            <a:endParaRPr lang="en-US"/>
-          </a:p>
-          <a:p>
-            <a:r>
-              <a:rPr lang="en-US"/>
-              <a:t>masa rakiety</a:t>
-            </a:r>
-            <a:endParaRPr lang="en-US"/>
-          </a:p>
-          <a:p>
-            <a:r>
-              <a:rPr lang="pl-PL" altLang="en-US"/>
-              <a:t>i</a:t>
-            </a:r>
-            <a:r>
-              <a:rPr lang="en-US"/>
-              <a:t>le modułów i jakiej wagi</a:t>
-            </a:r>
-            <a:endParaRPr lang="en-US"/>
-          </a:p>
-          <a:p>
-            <a:r>
-              <a:rPr lang="en-US"/>
-              <a:t>masa początkowa paliwa</a:t>
-            </a:r>
-            <a:endParaRPr lang="en-US"/>
-          </a:p>
-          <a:p>
-            <a:r>
-              <a:rPr lang="en-US"/>
-              <a:t>rodzaj paliwa i jakość, prędkość wylotu paliwa</a:t>
-            </a:r>
-            <a:endParaRPr lang="en-US"/>
-          </a:p>
-          <a:p>
-            <a:r>
-              <a:rPr lang="en-US"/>
-              <a:t>masa planety</a:t>
-            </a:r>
-            <a:r>
-              <a:rPr lang="pl-PL" altLang="en-US"/>
-              <a:t>, promień planety</a:t>
-            </a:r>
-            <a:endParaRPr lang="pl-PL" altLang="en-US"/>
-          </a:p>
-        </p:txBody>
-      </p:sp>
-    </p:spTree>
-  </p:cSld>
-  <p:clrMapOvr>
-    <a:masterClrMapping/>
-  </p:clrMapOvr>
-</p:sld>
-</file>
-
-<file path=ppt/slides/slide5.xml><?xml version="1.0" encoding="utf-8"?>
-<p:sld xmlns:a="http://schemas.openxmlformats.org/drawingml/2006/main" xmlns:r="http://schemas.openxmlformats.org/officeDocument/2006/relationships" xmlns:p="http://schemas.openxmlformats.org/presentationml/2006/main">
-  <p:cSld>
-    <p:spTree>
-      <p:nvGrpSpPr>
-        <p:cNvPr id="1" name=""/>
-        <p:cNvGrpSpPr/>
-        <p:nvPr/>
-      </p:nvGrpSpPr>
-      <p:grpSpPr/>
-      <p:sp>
-        <p:nvSpPr>
-          <p:cNvPr id="2" name="Title 1"/>
-          <p:cNvSpPr>
-            <a:spLocks noGrp="1"/>
-          </p:cNvSpPr>
-          <p:nvPr>
-            <p:ph type="title"/>
-          </p:nvPr>
-        </p:nvSpPr>
-        <p:spPr/>
-        <p:txBody>
-          <a:bodyPr/>
-          <a:p>
-            <a:r>
-              <a:rPr lang="pl-PL" altLang="en-US"/>
-              <a:t>Parametry silnika</a:t>
-            </a:r>
-            <a:endParaRPr lang="pl-PL" altLang="en-US"/>
-          </a:p>
-        </p:txBody>
-      </p:sp>
-      <p:sp>
-        <p:nvSpPr>
-          <p:cNvPr id="3" name="Content Placeholder 2"/>
-          <p:cNvSpPr>
-            <a:spLocks noGrp="1"/>
-          </p:cNvSpPr>
-          <p:nvPr>
-            <p:ph idx="1"/>
-          </p:nvPr>
-        </p:nvSpPr>
-        <p:spPr/>
-        <p:txBody>
-          <a:bodyPr/>
-          <a:p>
-            <a:r>
-              <a:rPr lang="en-US" sz="2500"/>
-              <a:t>Współczynnik ciągu do ciężaru </a:t>
-            </a:r>
-            <a:r>
-              <a:rPr lang="pl-PL" altLang="en-US" sz="2500"/>
-              <a:t>-</a:t>
-            </a:r>
-            <a:r>
-              <a:rPr lang="en-US" sz="2500"/>
-              <a:t> bezwymiarowa jednostka charakteryzująca silniki rakietowe i odrzutowe oraz pojazdy w których zostały wykorzystane będąca ilorazem ciągu przez ciężar. Jego wartość jest stosowana do porównywania silników i konstrukcji pojazdów.</a:t>
-            </a:r>
-            <a:endParaRPr lang="en-US" sz="2500"/>
-          </a:p>
-          <a:p>
-            <a:pPr marL="0" indent="0">
-              <a:buNone/>
-            </a:pPr>
             <a:r>
               <a:rPr lang="pl-PL" altLang="en-US" sz="2500"/>
               <a:t>			  </a:t>
@@ -4006,7 +4042,6 @@
               <a:rPr lang="en-US" sz="2500"/>
               <a:t>ciąg silnika.</a:t>
             </a:r>
-            <a:endParaRPr lang="en-US" sz="2500"/>
           </a:p>
           <a:p>
             <a:pPr marL="0" indent="0">
@@ -4019,7 +4054,6 @@
               <a:rPr lang="en-US" sz="2500"/>
               <a:t>Impuls właściwy – parametr silnika rakietowego w napędzie statków kosmicznych, oznaczany I lub Isp, równy stosunkowi popędu wytworzonej siły ciągu do masy zużytych materiałów (paliwa i utleniacza):</a:t>
             </a:r>
-            <a:endParaRPr lang="en-US" sz="2500"/>
           </a:p>
           <a:p>
             <a:endParaRPr lang="en-US" sz="2400"/>
@@ -4035,7 +4069,7 @@
           <p:nvPr/>
         </p:nvPicPr>
         <p:blipFill>
-          <a:blip r:embed="rId1"/>
+          <a:blip r:embed="rId2"/>
           <a:stretch>
             <a:fillRect/>
           </a:stretch>
@@ -4059,7 +4093,7 @@
           <p:nvPr/>
         </p:nvPicPr>
         <p:blipFill>
-          <a:blip r:embed="rId2"/>
+          <a:blip r:embed="rId3"/>
           <a:stretch>
             <a:fillRect/>
           </a:stretch>
@@ -4068,6 +4102,446 @@
           <a:xfrm>
             <a:off x="1084580" y="5237480"/>
             <a:ext cx="3364230" cy="735965"/>
+          </a:xfrm>
+          <a:prstGeom prst="rect">
+            <a:avLst/>
+          </a:prstGeom>
+        </p:spPr>
+      </p:pic>
+    </p:spTree>
+  </p:cSld>
+  <p:clrMapOvr>
+    <a:masterClrMapping/>
+  </p:clrMapOvr>
+</p:sld>
+</file>
+
+<file path=ppt/slides/slide5.xml><?xml version="1.0" encoding="utf-8"?>
+<p:sld xmlns:a="http://schemas.openxmlformats.org/drawingml/2006/main" xmlns:r="http://schemas.openxmlformats.org/officeDocument/2006/relationships" xmlns:p="http://schemas.openxmlformats.org/presentationml/2006/main">
+  <p:cSld>
+    <p:spTree>
+      <p:nvGrpSpPr>
+        <p:cNvPr id="1" name=""/>
+        <p:cNvGrpSpPr/>
+        <p:nvPr/>
+      </p:nvGrpSpPr>
+      <p:grpSpPr>
+        <a:xfrm>
+          <a:off x="0" y="0"/>
+          <a:ext cx="0" cy="0"/>
+          <a:chOff x="0" y="0"/>
+          <a:chExt cx="0" cy="0"/>
+        </a:xfrm>
+      </p:grpSpPr>
+      <p:sp>
+        <p:nvSpPr>
+          <p:cNvPr id="2" name="Title 1"/>
+          <p:cNvSpPr>
+            <a:spLocks noGrp="1"/>
+          </p:cNvSpPr>
+          <p:nvPr>
+            <p:ph type="title"/>
+          </p:nvPr>
+        </p:nvSpPr>
+        <p:spPr/>
+        <p:txBody>
+          <a:bodyPr/>
+          <a:lstStyle/>
+          <a:p>
+            <a:endParaRPr lang="en-US"/>
+          </a:p>
+        </p:txBody>
+      </p:sp>
+      <p:sp>
+        <p:nvSpPr>
+          <p:cNvPr id="3" name="Content Placeholder 2"/>
+          <p:cNvSpPr>
+            <a:spLocks noGrp="1"/>
+          </p:cNvSpPr>
+          <p:nvPr>
+            <p:ph idx="1"/>
+          </p:nvPr>
+        </p:nvSpPr>
+        <p:spPr/>
+        <p:txBody>
+          <a:bodyPr/>
+          <a:lstStyle/>
+          <a:p>
+            <a:r>
+              <a:rPr lang="en-US" dirty="0" err="1"/>
+              <a:t>Często</a:t>
+            </a:r>
+            <a:r>
+              <a:rPr lang="en-US" dirty="0"/>
+              <a:t> </a:t>
+            </a:r>
+            <a:r>
+              <a:rPr lang="en-US" dirty="0" err="1"/>
+              <a:t>impuls</a:t>
+            </a:r>
+            <a:r>
+              <a:rPr lang="en-US" dirty="0"/>
+              <a:t> </a:t>
+            </a:r>
+            <a:r>
+              <a:rPr lang="en-US" dirty="0" err="1"/>
+              <a:t>właściwy</a:t>
+            </a:r>
+            <a:r>
+              <a:rPr lang="en-US" dirty="0"/>
+              <a:t> </a:t>
+            </a:r>
+            <a:r>
+              <a:rPr lang="en-US" dirty="0" err="1"/>
+              <a:t>określa</a:t>
+            </a:r>
+            <a:r>
+              <a:rPr lang="en-US" dirty="0"/>
+              <a:t> </a:t>
+            </a:r>
+            <a:r>
+              <a:rPr lang="en-US" dirty="0" err="1"/>
+              <a:t>się</a:t>
+            </a:r>
+            <a:r>
+              <a:rPr lang="en-US" dirty="0"/>
+              <a:t> </a:t>
+            </a:r>
+            <a:r>
+              <a:rPr lang="en-US" dirty="0" err="1"/>
+              <a:t>jako</a:t>
+            </a:r>
+            <a:r>
+              <a:rPr lang="en-US" dirty="0"/>
+              <a:t> </a:t>
+            </a:r>
+            <a:r>
+              <a:rPr lang="en-US" dirty="0" err="1"/>
+              <a:t>wytwarzany</a:t>
+            </a:r>
+            <a:r>
+              <a:rPr lang="en-US" dirty="0"/>
+              <a:t> </a:t>
+            </a:r>
+            <a:r>
+              <a:rPr lang="en-US" dirty="0" err="1"/>
+              <a:t>popęd</a:t>
+            </a:r>
+            <a:r>
+              <a:rPr lang="en-US" dirty="0"/>
+              <a:t> </a:t>
+            </a:r>
+            <a:r>
+              <a:rPr lang="en-US" dirty="0" err="1"/>
+              <a:t>przypadający</a:t>
+            </a:r>
+            <a:r>
+              <a:rPr lang="en-US" dirty="0"/>
+              <a:t> </a:t>
+            </a:r>
+            <a:r>
+              <a:rPr lang="en-US" dirty="0" err="1"/>
+              <a:t>na</a:t>
+            </a:r>
+            <a:r>
+              <a:rPr lang="en-US" dirty="0"/>
+              <a:t> </a:t>
+            </a:r>
+            <a:r>
+              <a:rPr lang="en-US" dirty="0" err="1"/>
+              <a:t>jednostkę</a:t>
+            </a:r>
+            <a:r>
+              <a:rPr lang="en-US" dirty="0"/>
+              <a:t> </a:t>
+            </a:r>
+            <a:r>
+              <a:rPr lang="en-US" dirty="0" err="1"/>
+              <a:t>ciężaru</a:t>
+            </a:r>
+            <a:r>
+              <a:rPr lang="en-US" dirty="0"/>
+              <a:t> </a:t>
+            </a:r>
+            <a:r>
+              <a:rPr lang="en-US" dirty="0" err="1"/>
+              <a:t>paliwa</a:t>
+            </a:r>
+            <a:r>
+              <a:rPr lang="en-US" dirty="0"/>
+              <a:t> w </a:t>
+            </a:r>
+            <a:r>
+              <a:rPr lang="en-US" dirty="0" err="1"/>
+              <a:t>warunkach</a:t>
+            </a:r>
+            <a:r>
+              <a:rPr lang="en-US" dirty="0"/>
+              <a:t> </a:t>
+            </a:r>
+            <a:r>
+              <a:rPr lang="en-US" dirty="0" err="1"/>
+              <a:t>ziemskich</a:t>
+            </a:r>
+            <a:r>
+              <a:rPr lang="en-US" dirty="0"/>
+              <a:t>:</a:t>
+            </a:r>
+          </a:p>
+          <a:p>
+            <a:endParaRPr lang="en-US" dirty="0"/>
+          </a:p>
+          <a:p>
+            <a:endParaRPr lang="en-US" dirty="0"/>
+          </a:p>
+          <a:p>
+            <a:r>
+              <a:rPr lang="en-US" dirty="0" err="1"/>
+              <a:t>Siłę</a:t>
+            </a:r>
+            <a:r>
+              <a:rPr lang="en-US" dirty="0"/>
+              <a:t> </a:t>
+            </a:r>
+            <a:r>
+              <a:rPr lang="en-US" dirty="0" err="1"/>
+              <a:t>ciągu</a:t>
+            </a:r>
+            <a:r>
+              <a:rPr lang="en-US" dirty="0"/>
+              <a:t> </a:t>
+            </a:r>
+            <a:r>
+              <a:rPr lang="en-US" dirty="0" err="1"/>
+              <a:t>określa</a:t>
+            </a:r>
+            <a:r>
+              <a:rPr lang="en-US" dirty="0"/>
+              <a:t> </a:t>
+            </a:r>
+            <a:r>
+              <a:rPr lang="en-US" dirty="0" err="1"/>
+              <a:t>wzór</a:t>
+            </a:r>
+            <a:r>
+              <a:rPr lang="en-US" dirty="0"/>
+              <a:t>:</a:t>
+            </a:r>
+          </a:p>
+        </p:txBody>
+      </p:sp>
+      <p:pic>
+        <p:nvPicPr>
+          <p:cNvPr id="4" name="Picture 3"/>
+          <p:cNvPicPr>
+            <a:picLocks noChangeAspect="1"/>
+          </p:cNvPicPr>
+          <p:nvPr/>
+        </p:nvPicPr>
+        <p:blipFill>
+          <a:blip r:embed="rId2"/>
+          <a:stretch>
+            <a:fillRect/>
+          </a:stretch>
+        </p:blipFill>
+        <p:spPr>
+          <a:xfrm>
+            <a:off x="1118870" y="2868295"/>
+            <a:ext cx="2762885" cy="832485"/>
+          </a:xfrm>
+          <a:prstGeom prst="rect">
+            <a:avLst/>
+          </a:prstGeom>
+        </p:spPr>
+      </p:pic>
+      <p:pic>
+        <p:nvPicPr>
+          <p:cNvPr id="6" name="Picture 5"/>
+          <p:cNvPicPr>
+            <a:picLocks noChangeAspect="1"/>
+          </p:cNvPicPr>
+          <p:nvPr/>
+        </p:nvPicPr>
+        <p:blipFill>
+          <a:blip r:embed="rId3"/>
+          <a:stretch>
+            <a:fillRect/>
+          </a:stretch>
+        </p:blipFill>
+        <p:spPr>
+          <a:xfrm>
+            <a:off x="1118870" y="4932045"/>
+            <a:ext cx="2165350" cy="863600"/>
+          </a:xfrm>
+          <a:prstGeom prst="rect">
+            <a:avLst/>
+          </a:prstGeom>
+        </p:spPr>
+      </p:pic>
+      <p:sp>
+        <p:nvSpPr>
+          <p:cNvPr id="8" name="Text Box 7"/>
+          <p:cNvSpPr txBox="1"/>
+          <p:nvPr/>
+        </p:nvSpPr>
+        <p:spPr>
+          <a:xfrm>
+            <a:off x="6929755" y="4295775"/>
+            <a:ext cx="4892675" cy="922020"/>
+          </a:xfrm>
+          <a:prstGeom prst="rect">
+            <a:avLst/>
+          </a:prstGeom>
+          <a:noFill/>
+        </p:spPr>
+        <p:txBody>
+          <a:bodyPr wrap="square" rtlCol="0" anchor="t">
+            <a:spAutoFit/>
+          </a:bodyPr>
+          <a:lstStyle/>
+          <a:p>
+            <a:r>
+              <a:rPr lang="en-US" dirty="0" err="1"/>
+              <a:t>Gdy</a:t>
+            </a:r>
+            <a:r>
+              <a:rPr lang="en-US" dirty="0"/>
+              <a:t> </a:t>
+            </a:r>
+            <a:r>
+              <a:rPr lang="en-US" dirty="0" err="1"/>
+              <a:t>dana</a:t>
+            </a:r>
+            <a:r>
+              <a:rPr lang="en-US" dirty="0"/>
+              <a:t> </a:t>
+            </a:r>
+            <a:r>
+              <a:rPr lang="en-US" dirty="0" err="1"/>
+              <a:t>rakieta</a:t>
+            </a:r>
+            <a:r>
+              <a:rPr lang="en-US" dirty="0"/>
+              <a:t> </a:t>
+            </a:r>
+            <a:r>
+              <a:rPr lang="en-US" dirty="0" err="1"/>
+              <a:t>posiada</a:t>
+            </a:r>
+            <a:r>
+              <a:rPr lang="en-US" dirty="0"/>
+              <a:t> </a:t>
+            </a:r>
+            <a:r>
+              <a:rPr lang="en-US" dirty="0" err="1"/>
+              <a:t>kilka</a:t>
+            </a:r>
+            <a:r>
+              <a:rPr lang="en-US" dirty="0"/>
+              <a:t> </a:t>
+            </a:r>
+            <a:r>
+              <a:rPr lang="en-US" dirty="0" err="1"/>
+              <a:t>jednocześnie</a:t>
+            </a:r>
+            <a:r>
+              <a:rPr lang="en-US" dirty="0"/>
+              <a:t> </a:t>
+            </a:r>
+            <a:r>
+              <a:rPr lang="en-US" dirty="0" err="1"/>
+              <a:t>działających</a:t>
+            </a:r>
+            <a:r>
+              <a:rPr lang="en-US" dirty="0"/>
+              <a:t> </a:t>
+            </a:r>
+            <a:r>
+              <a:rPr lang="en-US" dirty="0" err="1"/>
+              <a:t>silników</a:t>
+            </a:r>
+            <a:r>
+              <a:rPr lang="en-US" dirty="0"/>
+              <a:t> </a:t>
+            </a:r>
+            <a:r>
+              <a:rPr lang="en-US" dirty="0" err="1"/>
+              <a:t>należy</a:t>
+            </a:r>
+            <a:r>
+              <a:rPr lang="en-US" dirty="0"/>
+              <a:t> </a:t>
+            </a:r>
+            <a:r>
+              <a:rPr lang="en-US" dirty="0" err="1"/>
+              <a:t>wyliczyć</a:t>
+            </a:r>
+            <a:r>
+              <a:rPr lang="en-US" dirty="0"/>
+              <a:t> </a:t>
+            </a:r>
+            <a:r>
+              <a:rPr lang="en-US" dirty="0" smtClean="0"/>
+              <a:t>now</a:t>
+            </a:r>
+            <a:r>
+              <a:rPr lang="pl-PL" dirty="0" smtClean="0"/>
+              <a:t>ą</a:t>
+            </a:r>
+            <a:r>
+              <a:rPr lang="en-US" dirty="0" smtClean="0"/>
+              <a:t>, </a:t>
+            </a:r>
+            <a:r>
+              <a:rPr lang="en-US" dirty="0" err="1"/>
+              <a:t>uogólnioną</a:t>
+            </a:r>
+            <a:r>
+              <a:rPr lang="en-US" dirty="0"/>
+              <a:t> </a:t>
+            </a:r>
+            <a:r>
+              <a:rPr lang="en-US" dirty="0" err="1"/>
+              <a:t>wartość</a:t>
+            </a:r>
+            <a:r>
+              <a:rPr lang="en-US" dirty="0"/>
+              <a:t> </a:t>
+            </a:r>
+            <a:r>
+              <a:rPr lang="en-US" dirty="0" err="1"/>
+              <a:t>impulsu</a:t>
+            </a:r>
+            <a:r>
+              <a:rPr lang="en-US" dirty="0"/>
+              <a:t> </a:t>
+            </a:r>
+            <a:r>
+              <a:rPr lang="en-US" dirty="0" err="1"/>
+              <a:t>specyficznego</a:t>
+            </a:r>
+            <a:endParaRPr lang="en-US" dirty="0"/>
+          </a:p>
+        </p:txBody>
+      </p:sp>
+      <p:pic>
+        <p:nvPicPr>
+          <p:cNvPr id="9" name="Picture 8"/>
+          <p:cNvPicPr>
+            <a:picLocks noChangeAspect="1"/>
+          </p:cNvPicPr>
+          <p:nvPr/>
+        </p:nvPicPr>
+        <p:blipFill>
+          <a:blip r:embed="rId4"/>
+          <a:stretch>
+            <a:fillRect/>
+          </a:stretch>
+        </p:blipFill>
+        <p:spPr>
+          <a:xfrm>
+            <a:off x="7991475" y="5217795"/>
+            <a:ext cx="2346960" cy="1208405"/>
           </a:xfrm>
           <a:prstGeom prst="rect">
             <a:avLst/>
@@ -4091,7 +4565,14 @@
         <p:cNvGrpSpPr/>
         <p:nvPr/>
       </p:nvGrpSpPr>
-      <p:grpSpPr/>
+      <p:grpSpPr>
+        <a:xfrm>
+          <a:off x="0" y="0"/>
+          <a:ext cx="0" cy="0"/>
+          <a:chOff x="0" y="0"/>
+          <a:chExt cx="0" cy="0"/>
+        </a:xfrm>
+      </p:grpSpPr>
       <p:sp>
         <p:nvSpPr>
           <p:cNvPr id="2" name="Title 1"/>
@@ -4105,184 +4586,12 @@
         <p:spPr/>
         <p:txBody>
           <a:bodyPr/>
-          <a:p>
-            <a:endParaRPr lang="en-US"/>
-          </a:p>
-        </p:txBody>
-      </p:sp>
-      <p:sp>
-        <p:nvSpPr>
-          <p:cNvPr id="3" name="Content Placeholder 2"/>
-          <p:cNvSpPr>
-            <a:spLocks noGrp="1"/>
-          </p:cNvSpPr>
-          <p:nvPr>
-            <p:ph idx="1"/>
-          </p:nvPr>
-        </p:nvSpPr>
-        <p:spPr/>
-        <p:txBody>
-          <a:bodyPr/>
-          <a:p>
-            <a:r>
-              <a:rPr lang="en-US"/>
-              <a:t>Często impuls właściwy określa się jako wytwarzany popęd przypadający na jednostkę ciężaru paliwa w warunkach ziemskich:</a:t>
-            </a:r>
-            <a:endParaRPr lang="en-US"/>
-          </a:p>
-          <a:p>
-            <a:endParaRPr lang="en-US"/>
-          </a:p>
-          <a:p>
-            <a:endParaRPr lang="en-US"/>
-          </a:p>
-          <a:p>
-            <a:r>
-              <a:rPr lang="en-US"/>
-              <a:t>Siłę ciągu określa wzór:</a:t>
-            </a:r>
-            <a:endParaRPr lang="en-US"/>
-          </a:p>
-        </p:txBody>
-      </p:sp>
-      <p:pic>
-        <p:nvPicPr>
-          <p:cNvPr id="4" name="Picture 3"/>
-          <p:cNvPicPr>
-            <a:picLocks noChangeAspect="1"/>
-          </p:cNvPicPr>
-          <p:nvPr/>
-        </p:nvPicPr>
-        <p:blipFill>
-          <a:blip r:embed="rId1"/>
-          <a:stretch>
-            <a:fillRect/>
-          </a:stretch>
-        </p:blipFill>
-        <p:spPr>
-          <a:xfrm>
-            <a:off x="1118870" y="2868295"/>
-            <a:ext cx="2762885" cy="832485"/>
-          </a:xfrm>
-          <a:prstGeom prst="rect">
-            <a:avLst/>
-          </a:prstGeom>
-        </p:spPr>
-      </p:pic>
-      <p:pic>
-        <p:nvPicPr>
-          <p:cNvPr id="6" name="Picture 5"/>
-          <p:cNvPicPr>
-            <a:picLocks noChangeAspect="1"/>
-          </p:cNvPicPr>
-          <p:nvPr/>
-        </p:nvPicPr>
-        <p:blipFill>
-          <a:blip r:embed="rId2"/>
-          <a:stretch>
-            <a:fillRect/>
-          </a:stretch>
-        </p:blipFill>
-        <p:spPr>
-          <a:xfrm>
-            <a:off x="1118870" y="4932045"/>
-            <a:ext cx="2165350" cy="863600"/>
-          </a:xfrm>
-          <a:prstGeom prst="rect">
-            <a:avLst/>
-          </a:prstGeom>
-        </p:spPr>
-      </p:pic>
-      <p:sp>
-        <p:nvSpPr>
-          <p:cNvPr id="8" name="Text Box 7"/>
-          <p:cNvSpPr txBox="1"/>
-          <p:nvPr/>
-        </p:nvSpPr>
-        <p:spPr>
-          <a:xfrm>
-            <a:off x="6929755" y="4295775"/>
-            <a:ext cx="4892675" cy="922020"/>
-          </a:xfrm>
-          <a:prstGeom prst="rect">
-            <a:avLst/>
-          </a:prstGeom>
-          <a:noFill/>
-        </p:spPr>
-        <p:txBody>
-          <a:bodyPr wrap="square" rtlCol="0" anchor="t">
-            <a:spAutoFit/>
-          </a:bodyPr>
-          <a:p>
-            <a:r>
-              <a:rPr lang="en-US"/>
-              <a:t>Gdy dana rakieta posiada kilka jednocześnie działających silników należy wyliczyć nowe, uogólnioną wartość impulsu specyficznego</a:t>
-            </a:r>
-            <a:endParaRPr lang="en-US"/>
-          </a:p>
-        </p:txBody>
-      </p:sp>
-      <p:pic>
-        <p:nvPicPr>
-          <p:cNvPr id="9" name="Picture 8"/>
-          <p:cNvPicPr>
-            <a:picLocks noChangeAspect="1"/>
-          </p:cNvPicPr>
-          <p:nvPr/>
-        </p:nvPicPr>
-        <p:blipFill>
-          <a:blip r:embed="rId3"/>
-          <a:stretch>
-            <a:fillRect/>
-          </a:stretch>
-        </p:blipFill>
-        <p:spPr>
-          <a:xfrm>
-            <a:off x="7991475" y="5217795"/>
-            <a:ext cx="2346960" cy="1208405"/>
-          </a:xfrm>
-          <a:prstGeom prst="rect">
-            <a:avLst/>
-          </a:prstGeom>
-        </p:spPr>
-      </p:pic>
-    </p:spTree>
-  </p:cSld>
-  <p:clrMapOvr>
-    <a:masterClrMapping/>
-  </p:clrMapOvr>
-</p:sld>
-</file>
-
-<file path=ppt/slides/slide7.xml><?xml version="1.0" encoding="utf-8"?>
-<p:sld xmlns:a="http://schemas.openxmlformats.org/drawingml/2006/main" xmlns:r="http://schemas.openxmlformats.org/officeDocument/2006/relationships" xmlns:p="http://schemas.openxmlformats.org/presentationml/2006/main">
-  <p:cSld>
-    <p:spTree>
-      <p:nvGrpSpPr>
-        <p:cNvPr id="1" name=""/>
-        <p:cNvGrpSpPr/>
-        <p:nvPr/>
-      </p:nvGrpSpPr>
-      <p:grpSpPr/>
-      <p:sp>
-        <p:nvSpPr>
-          <p:cNvPr id="2" name="Title 1"/>
-          <p:cNvSpPr>
-            <a:spLocks noGrp="1"/>
-          </p:cNvSpPr>
-          <p:nvPr>
-            <p:ph type="title"/>
-          </p:nvPr>
-        </p:nvSpPr>
-        <p:spPr/>
-        <p:txBody>
-          <a:bodyPr/>
+          <a:lstStyle/>
           <a:p>
             <a:r>
               <a:rPr lang="pl-PL" altLang="en-US"/>
               <a:t>Uproszczony model</a:t>
             </a:r>
-            <a:endParaRPr lang="pl-PL" altLang="en-US"/>
           </a:p>
         </p:txBody>
       </p:sp>
@@ -4304,12 +4613,12 @@
         </p:spPr>
         <p:txBody>
           <a:bodyPr/>
+          <a:lstStyle/>
           <a:p>
             <a:r>
               <a:rPr lang="en-US"/>
               <a:t>Jeżeli rakieta spala paliwo to będziemy posługiwać się następującym układem równań:</a:t>
             </a:r>
-            <a:endParaRPr lang="en-US"/>
           </a:p>
         </p:txBody>
       </p:sp>
@@ -4317,14 +4626,14 @@
         <p:nvPicPr>
           <p:cNvPr id="4" name="Content Placeholder 3"/>
           <p:cNvPicPr>
-            <a:picLocks noChangeAspect="1"/>
+            <a:picLocks noGrp="1" noChangeAspect="1"/>
           </p:cNvPicPr>
           <p:nvPr>
             <p:ph sz="half" idx="2"/>
           </p:nvPr>
         </p:nvPicPr>
         <p:blipFill>
-          <a:blip r:embed="rId1"/>
+          <a:blip r:embed="rId2"/>
           <a:stretch>
             <a:fillRect/>
           </a:stretch>
@@ -4359,6 +4668,7 @@
           <a:bodyPr wrap="square" rtlCol="0" anchor="t">
             <a:spAutoFit/>
           </a:bodyPr>
+          <a:lstStyle/>
           <a:p>
             <a:endParaRPr lang="en-US"/>
           </a:p>
@@ -4387,6 +4697,7 @@
           <a:bodyPr wrap="square" rtlCol="0" anchor="t">
             <a:spAutoFit/>
           </a:bodyPr>
+          <a:lstStyle/>
           <a:p>
             <a:endParaRPr lang="en-US"/>
           </a:p>
@@ -4404,7 +4715,7 @@
           <p:nvPr/>
         </p:nvPicPr>
         <p:blipFill>
-          <a:blip r:embed="rId2"/>
+          <a:blip r:embed="rId3"/>
           <a:stretch>
             <a:fillRect/>
           </a:stretch>
@@ -4428,7 +4739,7 @@
           <p:nvPr/>
         </p:nvPicPr>
         <p:blipFill>
-          <a:blip r:embed="rId3"/>
+          <a:blip r:embed="rId4"/>
           <a:stretch>
             <a:fillRect/>
           </a:stretch>
@@ -4451,7 +4762,7 @@
         </p:nvSpPr>
         <p:spPr>
           <a:xfrm>
-            <a:off x="487680" y="4097655"/>
+            <a:off x="500380" y="3996690"/>
             <a:ext cx="11094720" cy="2861310"/>
           </a:xfrm>
           <a:prstGeom prst="rect">
@@ -4463,120 +4774,496 @@
           <a:bodyPr wrap="square" rtlCol="0" anchor="t">
             <a:spAutoFit/>
           </a:bodyPr>
-          <a:p>
-            <a:endParaRPr lang="en-US"/>
-          </a:p>
-          <a:p>
-            <a:r>
-              <a:rPr lang="pl-PL" altLang="en-US"/>
+          <a:lstStyle/>
+          <a:p>
+            <a:endParaRPr lang="en-US" dirty="0"/>
+          </a:p>
+          <a:p>
+            <a:r>
+              <a:rPr lang="pl-PL" altLang="en-US" dirty="0"/>
               <a:t>h </a:t>
             </a:r>
             <a:r>
-              <a:rPr lang="en-US"/>
-              <a:t>- droga jaką pokonała rakieta czy wysokość na jakiej znajduje się rakieta</a:t>
-            </a:r>
-            <a:endParaRPr lang="en-US"/>
-          </a:p>
-          <a:p>
-            <a:r>
-              <a:rPr lang="pl-PL" altLang="en-US"/>
+              <a:rPr lang="en-US" dirty="0"/>
+              <a:t>- </a:t>
+            </a:r>
+            <a:r>
+              <a:rPr lang="en-US" dirty="0" err="1"/>
+              <a:t>droga</a:t>
+            </a:r>
+            <a:r>
+              <a:rPr lang="en-US" dirty="0"/>
+              <a:t> </a:t>
+            </a:r>
+            <a:r>
+              <a:rPr lang="en-US" dirty="0" err="1"/>
+              <a:t>jaką</a:t>
+            </a:r>
+            <a:r>
+              <a:rPr lang="en-US" dirty="0"/>
+              <a:t> </a:t>
+            </a:r>
+            <a:r>
+              <a:rPr lang="en-US" dirty="0" err="1"/>
+              <a:t>pokonała</a:t>
+            </a:r>
+            <a:r>
+              <a:rPr lang="en-US" dirty="0"/>
+              <a:t> </a:t>
+            </a:r>
+            <a:r>
+              <a:rPr lang="en-US" dirty="0" err="1"/>
+              <a:t>rakieta</a:t>
+            </a:r>
+            <a:r>
+              <a:rPr lang="en-US" dirty="0"/>
+              <a:t> </a:t>
+            </a:r>
+            <a:r>
+              <a:rPr lang="en-US" dirty="0" err="1"/>
+              <a:t>czy</a:t>
+            </a:r>
+            <a:r>
+              <a:rPr lang="en-US" dirty="0"/>
+              <a:t> </a:t>
+            </a:r>
+            <a:r>
+              <a:rPr lang="en-US" dirty="0" err="1"/>
+              <a:t>wysokość</a:t>
+            </a:r>
+            <a:r>
+              <a:rPr lang="en-US" dirty="0"/>
+              <a:t> </a:t>
+            </a:r>
+            <a:r>
+              <a:rPr lang="en-US" dirty="0" err="1"/>
+              <a:t>na</a:t>
+            </a:r>
+            <a:r>
+              <a:rPr lang="en-US" dirty="0"/>
+              <a:t> </a:t>
+            </a:r>
+            <a:r>
+              <a:rPr lang="en-US" dirty="0" err="1"/>
+              <a:t>jakiej</a:t>
+            </a:r>
+            <a:r>
+              <a:rPr lang="en-US" dirty="0"/>
+              <a:t> </a:t>
+            </a:r>
+            <a:r>
+              <a:rPr lang="en-US" dirty="0" err="1"/>
+              <a:t>znajduje</a:t>
+            </a:r>
+            <a:r>
+              <a:rPr lang="en-US" dirty="0"/>
+              <a:t> </a:t>
+            </a:r>
+            <a:r>
+              <a:rPr lang="en-US" dirty="0" err="1"/>
+              <a:t>się</a:t>
+            </a:r>
+            <a:r>
+              <a:rPr lang="en-US" dirty="0"/>
+              <a:t> </a:t>
+            </a:r>
+            <a:r>
+              <a:rPr lang="en-US" dirty="0" err="1"/>
+              <a:t>rakieta</a:t>
+            </a:r>
+            <a:endParaRPr lang="en-US" dirty="0"/>
+          </a:p>
+          <a:p>
+            <a:r>
+              <a:rPr lang="pl-PL" altLang="en-US" dirty="0"/>
               <a:t>m</a:t>
             </a:r>
             <a:r>
-              <a:rPr lang="pl-PL" altLang="en-US" baseline="-25000"/>
+              <a:rPr lang="pl-PL" altLang="en-US" baseline="-25000" dirty="0"/>
               <a:t>0</a:t>
             </a:r>
             <a:r>
-              <a:rPr lang="en-US"/>
-              <a:t>- masa początkowa rakiety w kg</a:t>
-            </a:r>
-            <a:endParaRPr lang="en-US"/>
-          </a:p>
-          <a:p>
-            <a:r>
-              <a:rPr lang="pl-PL" altLang="en-US"/>
+              <a:rPr lang="en-US" dirty="0"/>
+              <a:t>- </a:t>
+            </a:r>
+            <a:r>
+              <a:rPr lang="en-US" dirty="0" err="1"/>
+              <a:t>masa</a:t>
+            </a:r>
+            <a:r>
+              <a:rPr lang="en-US" dirty="0"/>
+              <a:t> </a:t>
+            </a:r>
+            <a:r>
+              <a:rPr lang="en-US" dirty="0" err="1"/>
+              <a:t>początkowa</a:t>
+            </a:r>
+            <a:r>
+              <a:rPr lang="en-US" dirty="0"/>
+              <a:t> </a:t>
+            </a:r>
+            <a:r>
+              <a:rPr lang="en-US" dirty="0" err="1"/>
+              <a:t>rakiety</a:t>
+            </a:r>
+            <a:r>
+              <a:rPr lang="en-US" dirty="0"/>
+              <a:t> w kg</a:t>
+            </a:r>
+          </a:p>
+          <a:p>
+            <a:r>
+              <a:rPr lang="pl-PL" altLang="en-US" dirty="0"/>
               <a:t>m</a:t>
             </a:r>
             <a:r>
-              <a:rPr lang="pl-PL" altLang="en-US" baseline="-25000"/>
+              <a:rPr lang="pl-PL" altLang="en-US" baseline="-25000" dirty="0"/>
               <a:t>1</a:t>
             </a:r>
             <a:r>
-              <a:rPr lang="en-US"/>
-              <a:t>- masa planety w kg</a:t>
-            </a:r>
-            <a:endParaRPr lang="en-US"/>
-          </a:p>
-          <a:p>
-            <a:r>
-              <a:rPr lang="pl-PL" altLang="en-US"/>
+              <a:rPr lang="en-US" dirty="0"/>
+              <a:t>- </a:t>
+            </a:r>
+            <a:r>
+              <a:rPr lang="en-US" dirty="0" err="1"/>
+              <a:t>masa</a:t>
+            </a:r>
+            <a:r>
+              <a:rPr lang="en-US" dirty="0"/>
+              <a:t> </a:t>
+            </a:r>
+            <a:r>
+              <a:rPr lang="en-US" dirty="0" err="1"/>
+              <a:t>planety</a:t>
+            </a:r>
+            <a:r>
+              <a:rPr lang="en-US" dirty="0"/>
+              <a:t> w kg</a:t>
+            </a:r>
+          </a:p>
+          <a:p>
+            <a:r>
+              <a:rPr lang="pl-PL" altLang="en-US" dirty="0"/>
               <a:t>R</a:t>
             </a:r>
             <a:r>
-              <a:rPr lang="en-US"/>
-              <a:t>- promień planety w m</a:t>
-            </a:r>
-            <a:endParaRPr lang="en-US"/>
-          </a:p>
-          <a:p>
-            <a:r>
-              <a:rPr lang="pl-PL" altLang="en-US"/>
+              <a:rPr lang="en-US" dirty="0"/>
+              <a:t>- </a:t>
+            </a:r>
+            <a:r>
+              <a:rPr lang="en-US" dirty="0" err="1"/>
+              <a:t>promień</a:t>
+            </a:r>
+            <a:r>
+              <a:rPr lang="en-US" dirty="0"/>
+              <a:t> </a:t>
+            </a:r>
+            <a:r>
+              <a:rPr lang="en-US" dirty="0" err="1"/>
+              <a:t>planety</a:t>
+            </a:r>
+            <a:r>
+              <a:rPr lang="en-US" dirty="0"/>
+              <a:t> w m</a:t>
+            </a:r>
+          </a:p>
+          <a:p>
+            <a:r>
+              <a:rPr lang="pl-PL" altLang="en-US" dirty="0" err="1"/>
               <a:t>F</a:t>
             </a:r>
             <a:r>
-              <a:rPr lang="pl-PL" altLang="en-US" baseline="-25000"/>
+              <a:rPr lang="pl-PL" altLang="en-US" baseline="-25000" dirty="0" err="1"/>
               <a:t>t</a:t>
             </a:r>
             <a:r>
-              <a:rPr lang="en-US"/>
-              <a:t>- siła ciągu silnika</a:t>
-            </a:r>
-            <a:endParaRPr lang="en-US"/>
-          </a:p>
-          <a:p>
-            <a:r>
-              <a:rPr lang="pl-PL" altLang="en-US"/>
+              <a:rPr lang="en-US" dirty="0"/>
+              <a:t>- </a:t>
+            </a:r>
+            <a:r>
+              <a:rPr lang="en-US" dirty="0" err="1"/>
+              <a:t>siła</a:t>
+            </a:r>
+            <a:r>
+              <a:rPr lang="en-US" dirty="0"/>
+              <a:t> </a:t>
+            </a:r>
+            <a:r>
+              <a:rPr lang="en-US" dirty="0" err="1"/>
+              <a:t>ciągu</a:t>
+            </a:r>
+            <a:r>
+              <a:rPr lang="en-US" dirty="0"/>
+              <a:t> </a:t>
+            </a:r>
+            <a:r>
+              <a:rPr lang="en-US" dirty="0" err="1"/>
+              <a:t>silnika</a:t>
+            </a:r>
+            <a:endParaRPr lang="en-US" dirty="0"/>
+          </a:p>
+          <a:p>
+            <a:r>
+              <a:rPr lang="pl-PL" altLang="en-US" dirty="0" err="1"/>
               <a:t>I</a:t>
             </a:r>
             <a:r>
-              <a:rPr lang="pl-PL" altLang="en-US" baseline="-25000"/>
+              <a:rPr lang="pl-PL" altLang="en-US" baseline="-25000" dirty="0" err="1"/>
               <a:t>sp</a:t>
             </a:r>
             <a:r>
-              <a:rPr lang="en-US"/>
-              <a:t>- impuls właściwy w m/s , jeżeli jest on podany w s to należy impuls właściwy najpierw pomnożyć przez wartość przyspieszanie ziemskiego przy powierzchni Ziemi, 9,81 m/s2</a:t>
-            </a:r>
-            <a:endParaRPr lang="en-US"/>
-          </a:p>
-          <a:p>
-            <a:r>
-              <a:rPr lang="pl-PL" altLang="en-US"/>
+              <a:rPr lang="en-US" dirty="0"/>
+              <a:t>- </a:t>
+            </a:r>
+            <a:r>
+              <a:rPr lang="en-US" dirty="0" err="1"/>
+              <a:t>impuls</a:t>
+            </a:r>
+            <a:r>
+              <a:rPr lang="en-US" dirty="0"/>
+              <a:t> </a:t>
+            </a:r>
+            <a:r>
+              <a:rPr lang="en-US" dirty="0" err="1"/>
+              <a:t>właściwy</a:t>
+            </a:r>
+            <a:r>
+              <a:rPr lang="en-US" dirty="0"/>
+              <a:t> w m/s , </a:t>
+            </a:r>
+            <a:r>
+              <a:rPr lang="en-US" dirty="0" err="1"/>
+              <a:t>jeżeli</a:t>
+            </a:r>
+            <a:r>
+              <a:rPr lang="en-US" dirty="0"/>
+              <a:t> jest on </a:t>
+            </a:r>
+            <a:r>
+              <a:rPr lang="en-US" dirty="0" err="1"/>
+              <a:t>podany</a:t>
+            </a:r>
+            <a:r>
+              <a:rPr lang="en-US" dirty="0"/>
+              <a:t> w s to </a:t>
+            </a:r>
+            <a:r>
+              <a:rPr lang="en-US" dirty="0" err="1"/>
+              <a:t>należy</a:t>
+            </a:r>
+            <a:r>
+              <a:rPr lang="en-US" dirty="0"/>
+              <a:t> </a:t>
+            </a:r>
+            <a:r>
+              <a:rPr lang="en-US" dirty="0" err="1"/>
+              <a:t>impuls</a:t>
+            </a:r>
+            <a:r>
+              <a:rPr lang="en-US" dirty="0"/>
+              <a:t> </a:t>
+            </a:r>
+            <a:r>
+              <a:rPr lang="en-US" dirty="0" err="1"/>
+              <a:t>właściwy</a:t>
+            </a:r>
+            <a:r>
+              <a:rPr lang="en-US" dirty="0"/>
+              <a:t> </a:t>
+            </a:r>
+            <a:r>
+              <a:rPr lang="en-US" dirty="0" err="1"/>
+              <a:t>najpierw</a:t>
+            </a:r>
+            <a:r>
+              <a:rPr lang="en-US" dirty="0"/>
+              <a:t> </a:t>
+            </a:r>
+            <a:r>
+              <a:rPr lang="en-US" dirty="0" err="1"/>
+              <a:t>pomnożyć</a:t>
+            </a:r>
+            <a:r>
+              <a:rPr lang="en-US" dirty="0"/>
+              <a:t> </a:t>
+            </a:r>
+            <a:r>
+              <a:rPr lang="en-US" dirty="0" err="1"/>
+              <a:t>przez</a:t>
+            </a:r>
+            <a:r>
+              <a:rPr lang="en-US" dirty="0"/>
+              <a:t> </a:t>
+            </a:r>
+            <a:r>
+              <a:rPr lang="en-US" dirty="0" err="1"/>
+              <a:t>wartość</a:t>
+            </a:r>
+            <a:r>
+              <a:rPr lang="en-US" dirty="0"/>
+              <a:t> </a:t>
+            </a:r>
+            <a:r>
+              <a:rPr lang="en-US" dirty="0" err="1"/>
+              <a:t>przyspieszanie</a:t>
+            </a:r>
+            <a:r>
+              <a:rPr lang="en-US" dirty="0"/>
+              <a:t> </a:t>
+            </a:r>
+            <a:r>
+              <a:rPr lang="en-US" dirty="0" err="1"/>
+              <a:t>ziemskiego</a:t>
+            </a:r>
+            <a:r>
+              <a:rPr lang="en-US" dirty="0"/>
+              <a:t> </a:t>
+            </a:r>
+            <a:r>
+              <a:rPr lang="en-US" dirty="0" err="1"/>
+              <a:t>przy</a:t>
+            </a:r>
+            <a:r>
+              <a:rPr lang="en-US" dirty="0"/>
+              <a:t> </a:t>
+            </a:r>
+            <a:r>
+              <a:rPr lang="en-US" dirty="0" err="1"/>
+              <a:t>powierzchni</a:t>
+            </a:r>
+            <a:r>
+              <a:rPr lang="en-US" dirty="0"/>
+              <a:t> </a:t>
+            </a:r>
+            <a:r>
+              <a:rPr lang="en-US" dirty="0" err="1"/>
+              <a:t>Ziemi</a:t>
+            </a:r>
+            <a:r>
+              <a:rPr lang="en-US" dirty="0"/>
+              <a:t>, 9,81 m/s2</a:t>
+            </a:r>
+          </a:p>
+          <a:p>
+            <a:r>
+              <a:rPr lang="pl-PL" altLang="en-US" dirty="0"/>
               <a:t>m</a:t>
             </a:r>
             <a:r>
-              <a:rPr lang="pl-PL" altLang="en-US" baseline="-25000"/>
+              <a:rPr lang="pl-PL" altLang="en-US" baseline="-25000" dirty="0"/>
               <a:t>g</a:t>
             </a:r>
             <a:r>
-              <a:rPr lang="en-US"/>
-              <a:t>- masa gazów wrzucanych w jednostce czasu w kg/s</a:t>
-            </a:r>
-            <a:endParaRPr lang="en-US"/>
-          </a:p>
-          <a:p>
-            <a:r>
-              <a:rPr lang="pl-PL" altLang="en-US"/>
+              <a:rPr lang="en-US" dirty="0"/>
+              <a:t>- </a:t>
+            </a:r>
+            <a:r>
+              <a:rPr lang="en-US" dirty="0" err="1"/>
+              <a:t>masa</a:t>
+            </a:r>
+            <a:r>
+              <a:rPr lang="en-US" dirty="0"/>
+              <a:t> </a:t>
+            </a:r>
+            <a:r>
+              <a:rPr lang="en-US" dirty="0" err="1"/>
+              <a:t>gazów</a:t>
+            </a:r>
+            <a:r>
+              <a:rPr lang="en-US" dirty="0"/>
+              <a:t> </a:t>
+            </a:r>
+            <a:r>
+              <a:rPr lang="en-US" dirty="0" err="1"/>
+              <a:t>wrzucanych</a:t>
+            </a:r>
+            <a:r>
+              <a:rPr lang="en-US" dirty="0"/>
+              <a:t> w </a:t>
+            </a:r>
+            <a:r>
+              <a:rPr lang="en-US" dirty="0" err="1"/>
+              <a:t>jednostce</a:t>
+            </a:r>
+            <a:r>
+              <a:rPr lang="en-US" dirty="0"/>
+              <a:t> </a:t>
+            </a:r>
+            <a:r>
+              <a:rPr lang="en-US" dirty="0" err="1"/>
+              <a:t>czasu</a:t>
+            </a:r>
+            <a:r>
+              <a:rPr lang="en-US" dirty="0"/>
+              <a:t> w kg/s</a:t>
+            </a:r>
+          </a:p>
+          <a:p>
+            <a:r>
+              <a:rPr lang="pl-PL" altLang="en-US" dirty="0" err="1"/>
               <a:t>n</a:t>
             </a:r>
             <a:r>
-              <a:rPr lang="pl-PL" altLang="en-US" baseline="-25000"/>
+              <a:rPr lang="pl-PL" altLang="en-US" baseline="-25000" dirty="0" err="1"/>
               <a:t>g</a:t>
             </a:r>
             <a:r>
-              <a:rPr lang="en-US"/>
-              <a:t>- prędkość z jaką są wystrzeliwane gazy względem rakiety</a:t>
-            </a:r>
-            <a:endParaRPr lang="en-US"/>
+              <a:rPr lang="en-US" dirty="0"/>
+              <a:t>- </a:t>
+            </a:r>
+            <a:r>
+              <a:rPr lang="en-US" dirty="0" err="1"/>
+              <a:t>prędkość</a:t>
+            </a:r>
+            <a:r>
+              <a:rPr lang="en-US" dirty="0"/>
+              <a:t> z </a:t>
+            </a:r>
+            <a:r>
+              <a:rPr lang="en-US" dirty="0" err="1"/>
+              <a:t>jaką</a:t>
+            </a:r>
+            <a:r>
+              <a:rPr lang="en-US" dirty="0"/>
+              <a:t> </a:t>
+            </a:r>
+            <a:r>
+              <a:rPr lang="en-US" dirty="0" err="1"/>
+              <a:t>są</a:t>
+            </a:r>
+            <a:r>
+              <a:rPr lang="en-US" dirty="0"/>
+              <a:t> </a:t>
+            </a:r>
+            <a:r>
+              <a:rPr lang="en-US" dirty="0" err="1"/>
+              <a:t>wystrzeliwane</a:t>
+            </a:r>
+            <a:r>
+              <a:rPr lang="en-US" dirty="0"/>
+              <a:t> </a:t>
+            </a:r>
+            <a:r>
+              <a:rPr lang="en-US" dirty="0" err="1"/>
+              <a:t>gazy</a:t>
+            </a:r>
+            <a:r>
+              <a:rPr lang="en-US" dirty="0"/>
+              <a:t> </a:t>
+            </a:r>
+            <a:r>
+              <a:rPr lang="en-US" dirty="0" err="1"/>
+              <a:t>względem</a:t>
+            </a:r>
+            <a:r>
+              <a:rPr lang="en-US" dirty="0"/>
+              <a:t> </a:t>
+            </a:r>
+            <a:r>
+              <a:rPr lang="en-US" dirty="0" err="1"/>
+              <a:t>rakiety</a:t>
+            </a:r>
+            <a:endParaRPr lang="en-US" dirty="0"/>
           </a:p>
         </p:txBody>
       </p:sp>
@@ -4588,7 +5275,7 @@
 </p:sld>
 </file>
 
-<file path=ppt/slides/slide8.xml><?xml version="1.0" encoding="utf-8"?>
+<file path=ppt/slides/slide7.xml><?xml version="1.0" encoding="utf-8"?>
 <p:sld xmlns:a="http://schemas.openxmlformats.org/drawingml/2006/main" xmlns:r="http://schemas.openxmlformats.org/officeDocument/2006/relationships" xmlns:p="http://schemas.openxmlformats.org/presentationml/2006/main">
   <p:cSld>
     <p:spTree>
@@ -4597,7 +5284,14 @@
         <p:cNvGrpSpPr/>
         <p:nvPr/>
       </p:nvGrpSpPr>
-      <p:grpSpPr/>
+      <p:grpSpPr>
+        <a:xfrm>
+          <a:off x="0" y="0"/>
+          <a:ext cx="0" cy="0"/>
+          <a:chOff x="0" y="0"/>
+          <a:chExt cx="0" cy="0"/>
+        </a:xfrm>
+      </p:grpSpPr>
       <p:sp>
         <p:nvSpPr>
           <p:cNvPr id="2" name="Title 1"/>
@@ -4611,12 +5305,12 @@
         <p:spPr/>
         <p:txBody>
           <a:bodyPr/>
+          <a:lstStyle/>
           <a:p>
             <a:r>
               <a:rPr lang="pl-PL" altLang="en-US"/>
               <a:t>Uproszczony model</a:t>
             </a:r>
-            <a:endParaRPr lang="pl-PL" altLang="en-US"/>
           </a:p>
         </p:txBody>
       </p:sp>
@@ -4638,12 +5332,12 @@
         </p:spPr>
         <p:txBody>
           <a:bodyPr/>
+          <a:lstStyle/>
           <a:p>
             <a:r>
               <a:rPr lang="en-US"/>
               <a:t>W pewnym momencie wyczerpie się paliwo w danym silniku. Następną rzeczą będzie odrzucenie pustego modułu </a:t>
             </a:r>
-            <a:endParaRPr lang="en-US"/>
           </a:p>
           <a:p>
             <a:endParaRPr lang="en-US"/>
@@ -4654,14 +5348,14 @@
         <p:nvPicPr>
           <p:cNvPr id="4" name="Content Placeholder 3"/>
           <p:cNvPicPr>
-            <a:picLocks noChangeAspect="1"/>
+            <a:picLocks noGrp="1" noChangeAspect="1"/>
           </p:cNvPicPr>
           <p:nvPr>
             <p:ph sz="half" idx="2"/>
           </p:nvPr>
         </p:nvPicPr>
         <p:blipFill>
-          <a:blip r:embed="rId1"/>
+          <a:blip r:embed="rId2"/>
           <a:stretch>
             <a:fillRect/>
           </a:stretch>
@@ -4696,6 +5390,7 @@
           <a:bodyPr wrap="square" rtlCol="0" anchor="t">
             <a:spAutoFit/>
           </a:bodyPr>
+          <a:lstStyle/>
           <a:p>
             <a:endParaRPr lang="en-US"/>
           </a:p>
@@ -4724,6 +5419,7 @@
           <a:bodyPr wrap="square" rtlCol="0" anchor="t">
             <a:spAutoFit/>
           </a:bodyPr>
+          <a:lstStyle/>
           <a:p>
             <a:endParaRPr lang="en-US"/>
           </a:p>
@@ -4752,6 +5448,7 @@
           <a:bodyPr wrap="square" rtlCol="0" anchor="t">
             <a:spAutoFit/>
           </a:bodyPr>
+          <a:lstStyle/>
           <a:p>
             <a:endParaRPr lang="en-US"/>
           </a:p>
@@ -4768,7 +5465,6 @@
               <a:rPr lang="pl-PL" altLang="en-US"/>
               <a:t>- masa odrzucanego modułu w kg</a:t>
             </a:r>
-            <a:endParaRPr lang="pl-PL" altLang="en-US"/>
           </a:p>
         </p:txBody>
       </p:sp>
@@ -4781,7 +5477,7 @@
           <p:nvPr/>
         </p:nvPicPr>
         <p:blipFill>
-          <a:blip r:embed="rId2"/>
+          <a:blip r:embed="rId3"/>
           <a:stretch>
             <a:fillRect/>
           </a:stretch>
@@ -4804,6 +5500,121 @@
 </p:sld>
 </file>
 
+<file path=ppt/slides/slide8.xml><?xml version="1.0" encoding="utf-8"?>
+<p:sld xmlns:a="http://schemas.openxmlformats.org/drawingml/2006/main" xmlns:r="http://schemas.openxmlformats.org/officeDocument/2006/relationships" xmlns:p="http://schemas.openxmlformats.org/presentationml/2006/main">
+  <p:cSld>
+    <p:spTree>
+      <p:nvGrpSpPr>
+        <p:cNvPr id="1" name=""/>
+        <p:cNvGrpSpPr/>
+        <p:nvPr/>
+      </p:nvGrpSpPr>
+      <p:grpSpPr>
+        <a:xfrm>
+          <a:off x="0" y="0"/>
+          <a:ext cx="0" cy="0"/>
+          <a:chOff x="0" y="0"/>
+          <a:chExt cx="0" cy="0"/>
+        </a:xfrm>
+      </p:grpSpPr>
+      <p:sp>
+        <p:nvSpPr>
+          <p:cNvPr id="2" name="Title 1"/>
+          <p:cNvSpPr>
+            <a:spLocks noGrp="1"/>
+          </p:cNvSpPr>
+          <p:nvPr>
+            <p:ph type="title"/>
+          </p:nvPr>
+        </p:nvSpPr>
+        <p:spPr/>
+        <p:txBody>
+          <a:bodyPr/>
+          <a:lstStyle/>
+          <a:p>
+            <a:r>
+              <a:rPr lang="pl-PL" altLang="en-US"/>
+              <a:t>Uproszczenia</a:t>
+            </a:r>
+          </a:p>
+        </p:txBody>
+      </p:sp>
+      <p:sp>
+        <p:nvSpPr>
+          <p:cNvPr id="3" name="Content Placeholder 2"/>
+          <p:cNvSpPr>
+            <a:spLocks noGrp="1"/>
+          </p:cNvSpPr>
+          <p:nvPr>
+            <p:ph idx="1"/>
+          </p:nvPr>
+        </p:nvSpPr>
+        <p:spPr/>
+        <p:txBody>
+          <a:bodyPr/>
+          <a:lstStyle/>
+          <a:p>
+            <a:r>
+              <a:rPr lang="pl-PL" altLang="en-US" dirty="0"/>
+              <a:t>odrzucenie modułu trwa bardzo krótko</a:t>
+            </a:r>
+          </a:p>
+          <a:p>
+            <a:r>
+              <a:rPr lang="pl-PL" altLang="en-US" dirty="0"/>
+              <a:t>każdy moduł danego silnika spala jednakowo paliwo</a:t>
+            </a:r>
+          </a:p>
+          <a:p>
+            <a:r>
+              <a:rPr lang="pl-PL" altLang="en-US" dirty="0" err="1" smtClean="0"/>
+              <a:t>boo</a:t>
+            </a:r>
+            <a:r>
+              <a:rPr lang="pl-PL" altLang="en-US" dirty="0" err="1" smtClean="0"/>
+              <a:t>stery</a:t>
+            </a:r>
+            <a:r>
+              <a:rPr lang="pl-PL" altLang="en-US" dirty="0"/>
+              <a:t>, które odpadają nie </a:t>
+            </a:r>
+            <a:r>
+              <a:rPr lang="pl-PL" altLang="en-US" dirty="0" err="1"/>
+              <a:t>odziałują</a:t>
+            </a:r>
+            <a:r>
+              <a:rPr lang="pl-PL" altLang="en-US" dirty="0"/>
+              <a:t> na rakietę</a:t>
+            </a:r>
+          </a:p>
+          <a:p>
+            <a:r>
+              <a:rPr lang="pl-PL" altLang="en-US" dirty="0"/>
+              <a:t>nie uwzględniamy siły Coriolisa</a:t>
+            </a:r>
+          </a:p>
+          <a:p>
+            <a:r>
+              <a:rPr lang="pl-PL" altLang="en-US" dirty="0"/>
+              <a:t>nie uwzględniamy siły odśrodkowej</a:t>
+            </a:r>
+          </a:p>
+          <a:p>
+            <a:r>
+              <a:rPr lang="pl-PL" altLang="en-US" dirty="0"/>
+              <a:t>nie uwzględniamy oporów powietrza</a:t>
+            </a:r>
+          </a:p>
+        </p:txBody>
+      </p:sp>
+    </p:spTree>
+  </p:cSld>
+  <p:clrMapOvr>
+    <a:masterClrMapping/>
+  </p:clrMapOvr>
+</p:sld>
+</file>
+
 <file path=ppt/slides/slide9.xml><?xml version="1.0" encoding="utf-8"?>
 <p:sld xmlns:a="http://schemas.openxmlformats.org/drawingml/2006/main" xmlns:r="http://schemas.openxmlformats.org/officeDocument/2006/relationships" xmlns:p="http://schemas.openxmlformats.org/presentationml/2006/main">
   <p:cSld>
@@ -4813,7 +5624,14 @@
         <p:cNvGrpSpPr/>
         <p:nvPr/>
       </p:nvGrpSpPr>
-      <p:grpSpPr/>
+      <p:grpSpPr>
+        <a:xfrm>
+          <a:off x="0" y="0"/>
+          <a:ext cx="0" cy="0"/>
+          <a:chOff x="0" y="0"/>
+          <a:chExt cx="0" cy="0"/>
+        </a:xfrm>
+      </p:grpSpPr>
       <p:sp>
         <p:nvSpPr>
           <p:cNvPr id="2" name="Title 1"/>
@@ -4827,12 +5645,12 @@
         <p:spPr/>
         <p:txBody>
           <a:bodyPr/>
-          <a:p>
-            <a:r>
-              <a:rPr lang="pl-PL" altLang="en-US"/>
-              <a:t>Uproszczenia</a:t>
-            </a:r>
-            <a:endParaRPr lang="pl-PL" altLang="en-US"/>
+          <a:lstStyle/>
+          <a:p>
+            <a:r>
+              <a:rPr lang="en-US"/>
+              <a:t>Wnioski</a:t>
+            </a:r>
           </a:p>
         </p:txBody>
       </p:sp>
@@ -4849,47 +5667,275 @@
         <p:spPr/>
         <p:txBody>
           <a:bodyPr/>
-          <a:p>
-            <a:r>
-              <a:rPr lang="pl-PL" altLang="en-US"/>
-              <a:t>odrzucenie modułu trwa bardzo krótko</a:t>
-            </a:r>
-            <a:endParaRPr lang="pl-PL" altLang="en-US"/>
-          </a:p>
-          <a:p>
-            <a:r>
-              <a:rPr lang="pl-PL" altLang="en-US"/>
-              <a:t>każdy moduł danego silnika spala jednakowo paliwo</a:t>
-            </a:r>
-            <a:endParaRPr lang="pl-PL" altLang="en-US"/>
-          </a:p>
-          <a:p>
-            <a:r>
-              <a:rPr lang="pl-PL" altLang="en-US"/>
-              <a:t>bustery, które odpadają nie odziałują na rakietę</a:t>
-            </a:r>
-            <a:endParaRPr lang="pl-PL" altLang="en-US"/>
-          </a:p>
-          <a:p>
-            <a:r>
-              <a:rPr lang="pl-PL" altLang="en-US"/>
-              <a:t>nie uwzględniamy siły Coriolisa</a:t>
-            </a:r>
-            <a:endParaRPr lang="pl-PL" altLang="en-US"/>
-          </a:p>
-          <a:p>
-            <a:r>
-              <a:rPr lang="pl-PL" altLang="en-US"/>
-              <a:t>nie uwzględniamy siły odśrodkowej</a:t>
-            </a:r>
-            <a:endParaRPr lang="pl-PL" altLang="en-US"/>
-          </a:p>
-          <a:p>
-            <a:r>
-              <a:rPr lang="pl-PL" altLang="en-US"/>
-              <a:t>nie uwzględniamy oporów powietrza</a:t>
-            </a:r>
-            <a:endParaRPr lang="pl-PL" altLang="en-US"/>
+          <a:lstStyle/>
+          <a:p>
+            <a:r>
+              <a:rPr lang="en-US" dirty="0" err="1"/>
+              <a:t>Zastosowane</a:t>
+            </a:r>
+            <a:r>
+              <a:rPr lang="en-US" dirty="0"/>
+              <a:t> </a:t>
+            </a:r>
+            <a:r>
+              <a:rPr lang="en-US" dirty="0" err="1"/>
+              <a:t>uproszczenia</a:t>
+            </a:r>
+            <a:r>
+              <a:rPr lang="en-US" dirty="0"/>
+              <a:t> </a:t>
+            </a:r>
+            <a:r>
+              <a:rPr lang="en-US" dirty="0" err="1"/>
+              <a:t>powodują</a:t>
+            </a:r>
+            <a:r>
+              <a:rPr lang="en-US" dirty="0"/>
+              <a:t> </a:t>
+            </a:r>
+            <a:r>
+              <a:rPr lang="en-US" dirty="0" err="1"/>
+              <a:t>pewne</a:t>
+            </a:r>
+            <a:r>
+              <a:rPr lang="en-US" dirty="0"/>
+              <a:t> </a:t>
+            </a:r>
+            <a:r>
+              <a:rPr lang="en-US" dirty="0" err="1"/>
+              <a:t>odstępstwa</a:t>
+            </a:r>
+            <a:r>
+              <a:rPr lang="en-US" dirty="0"/>
+              <a:t> </a:t>
+            </a:r>
+            <a:r>
+              <a:rPr lang="en-US" dirty="0" err="1"/>
+              <a:t>od</a:t>
+            </a:r>
+            <a:r>
+              <a:rPr lang="en-US" dirty="0"/>
+              <a:t> </a:t>
+            </a:r>
+            <a:r>
+              <a:rPr lang="en-US" dirty="0" err="1"/>
+              <a:t>oczekiwanych</a:t>
+            </a:r>
+            <a:r>
+              <a:rPr lang="en-US" dirty="0"/>
+              <a:t> </a:t>
+            </a:r>
+            <a:r>
+              <a:rPr lang="en-US" dirty="0" err="1"/>
+              <a:t>wyników</a:t>
+            </a:r>
+            <a:r>
+              <a:rPr lang="en-US" dirty="0"/>
+              <a:t> </a:t>
+            </a:r>
+            <a:r>
+              <a:rPr lang="en-US" dirty="0" err="1"/>
+              <a:t>jednak</a:t>
+            </a:r>
+            <a:r>
+              <a:rPr lang="en-US" dirty="0"/>
+              <a:t> </a:t>
+            </a:r>
+            <a:r>
+              <a:rPr lang="en-US" dirty="0" err="1"/>
+              <a:t>ostateczny</a:t>
+            </a:r>
+            <a:r>
+              <a:rPr lang="en-US" dirty="0"/>
+              <a:t> </a:t>
+            </a:r>
+            <a:r>
+              <a:rPr lang="en-US" dirty="0" err="1"/>
+              <a:t>wynik</a:t>
+            </a:r>
+            <a:r>
+              <a:rPr lang="en-US" dirty="0"/>
+              <a:t> jest </a:t>
+            </a:r>
+            <a:r>
+              <a:rPr lang="en-US" dirty="0" err="1"/>
+              <a:t>zbliżony</a:t>
+            </a:r>
+            <a:r>
+              <a:rPr lang="en-US" dirty="0"/>
+              <a:t> do </a:t>
+            </a:r>
+            <a:r>
+              <a:rPr lang="en-US" dirty="0" err="1"/>
+              <a:t>oczekiwanego</a:t>
+            </a:r>
+            <a:endParaRPr lang="en-US" dirty="0"/>
+          </a:p>
+          <a:p>
+            <a:r>
+              <a:rPr lang="pl-PL" altLang="en-US" dirty="0"/>
+              <a:t>Brak możliwości </a:t>
+            </a:r>
+            <a:r>
+              <a:rPr lang="en-US" dirty="0" err="1"/>
+              <a:t>znalezienia</a:t>
+            </a:r>
+            <a:r>
+              <a:rPr lang="en-US" dirty="0"/>
+              <a:t> </a:t>
+            </a:r>
+            <a:r>
+              <a:rPr lang="en-US" dirty="0" err="1"/>
+              <a:t>odpowiednich</a:t>
+            </a:r>
+            <a:r>
+              <a:rPr lang="en-US" dirty="0"/>
+              <a:t> </a:t>
+            </a:r>
+            <a:r>
+              <a:rPr lang="en-US" dirty="0" err="1"/>
+              <a:t>wartości</a:t>
+            </a:r>
+            <a:r>
+              <a:rPr lang="en-US" dirty="0"/>
+              <a:t> </a:t>
+            </a:r>
+            <a:r>
+              <a:rPr lang="en-US" dirty="0" err="1"/>
+              <a:t>wszystkich</a:t>
+            </a:r>
+            <a:r>
+              <a:rPr lang="en-US" dirty="0"/>
+              <a:t> </a:t>
+            </a:r>
+            <a:r>
+              <a:rPr lang="en-US" dirty="0" err="1"/>
+              <a:t>parametrów</a:t>
+            </a:r>
+            <a:r>
+              <a:rPr lang="en-US" dirty="0"/>
+              <a:t>, </a:t>
+            </a:r>
+            <a:r>
+              <a:rPr lang="en-US" dirty="0" err="1"/>
+              <a:t>mimo</a:t>
+            </a:r>
+            <a:r>
+              <a:rPr lang="en-US" dirty="0"/>
+              <a:t> </a:t>
+            </a:r>
+            <a:r>
+              <a:rPr lang="en-US" dirty="0" err="1"/>
+              <a:t>posiadania</a:t>
+            </a:r>
+            <a:r>
+              <a:rPr lang="en-US" dirty="0"/>
+              <a:t> </a:t>
+            </a:r>
+            <a:r>
+              <a:rPr lang="en-US" dirty="0" err="1"/>
+              <a:t>odpowiednich</a:t>
+            </a:r>
+            <a:r>
+              <a:rPr lang="en-US" dirty="0"/>
+              <a:t> </a:t>
+            </a:r>
+            <a:r>
+              <a:rPr lang="en-US" dirty="0" err="1"/>
+              <a:t>wzorów</a:t>
+            </a:r>
+            <a:r>
+              <a:rPr lang="en-US" dirty="0"/>
+              <a:t> do </a:t>
+            </a:r>
+            <a:r>
+              <a:rPr lang="en-US" dirty="0" err="1"/>
+              <a:t>obliczenia</a:t>
+            </a:r>
+            <a:r>
+              <a:rPr lang="en-US" dirty="0"/>
+              <a:t> </a:t>
+            </a:r>
+            <a:r>
+              <a:rPr lang="en-US" dirty="0" err="1"/>
+              <a:t>wartości</a:t>
+            </a:r>
+            <a:r>
+              <a:rPr lang="en-US" dirty="0"/>
+              <a:t> </a:t>
+            </a:r>
+            <a:r>
+              <a:rPr lang="en-US" dirty="0" err="1"/>
+              <a:t>wyjściowych</a:t>
+            </a:r>
+            <a:r>
+              <a:rPr lang="en-US" dirty="0"/>
+              <a:t>, </a:t>
+            </a:r>
+            <a:r>
+              <a:rPr lang="en-US" dirty="0" err="1"/>
+              <a:t>nie</a:t>
+            </a:r>
+            <a:r>
+              <a:rPr lang="en-US" dirty="0"/>
+              <a:t> </a:t>
+            </a:r>
+            <a:r>
+              <a:rPr lang="en-US" dirty="0" err="1" smtClean="0"/>
+              <a:t>pozwolił</a:t>
+            </a:r>
+            <a:r>
+              <a:rPr lang="en-US" dirty="0" smtClean="0"/>
+              <a:t> </a:t>
+            </a:r>
+            <a:r>
+              <a:rPr lang="en-US" dirty="0" err="1"/>
+              <a:t>na</a:t>
+            </a:r>
+            <a:r>
+              <a:rPr lang="en-US" dirty="0"/>
+              <a:t> </a:t>
+            </a:r>
+            <a:r>
+              <a:rPr lang="en-US" dirty="0" err="1"/>
+              <a:t>pełne</a:t>
+            </a:r>
+            <a:r>
+              <a:rPr lang="en-US" dirty="0"/>
+              <a:t> </a:t>
+            </a:r>
+            <a:r>
+              <a:rPr lang="en-US" dirty="0" err="1"/>
+              <a:t>przetestowanie</a:t>
+            </a:r>
+            <a:r>
+              <a:rPr lang="en-US" dirty="0"/>
+              <a:t> </a:t>
+            </a:r>
+            <a:r>
+              <a:rPr lang="en-US" dirty="0" err="1"/>
+              <a:t>poprawności</a:t>
+            </a:r>
+            <a:r>
+              <a:rPr lang="en-US" dirty="0"/>
+              <a:t> </a:t>
+            </a:r>
+            <a:r>
+              <a:rPr lang="en-US" dirty="0" err="1"/>
+              <a:t>działania</a:t>
+            </a:r>
+            <a:r>
+              <a:rPr lang="en-US" dirty="0"/>
+              <a:t> </a:t>
+            </a:r>
+            <a:r>
+              <a:rPr lang="en-US" dirty="0" err="1"/>
+              <a:t>symulacji</a:t>
+            </a:r>
+            <a:r>
+              <a:rPr lang="en-US" dirty="0"/>
+              <a:t>.</a:t>
+            </a:r>
           </a:p>
         </p:txBody>
       </p:sp>
@@ -5761,7 +6807,7 @@
   </a:extraClrSchemeLst>
   <a:extLst>
     <a:ext uri="{05A4C25C-085E-4340-85A3-A5531E510DB2}">
-      <thm15:themeFamily xmlns:thm15="http://schemas.microsoft.com/office/thememl/2012/main" name="Office Theme" id="{62F939B6-93AF-4DB8-9C6B-D6C7DFDC589F}" vid="{4A3C46E8-61CC-4603-A589-7422A47A8E4A}"/>
+      <thm15:themeFamily xmlns:thm15="http://schemas.microsoft.com/office/thememl/2012/main" xmlns="" name="Office Theme" id="{62F939B6-93AF-4DB8-9C6B-D6C7DFDC589F}" vid="{4A3C46E8-61CC-4603-A589-7422A47A8E4A}"/>
     </a:ext>
   </a:extLst>
 </a:theme>
